--- a/doc/eos/02.설계/TEOS 실시간 잡스케줄러 구성방안.pptx
+++ b/doc/eos/02.설계/TEOS 실시간 잡스케줄러 구성방안.pptx
@@ -5,7 +5,7 @@
     <p:sldMasterId id="2147483648" r:id="rId1"/>
   </p:sldMasterIdLst>
   <p:notesMasterIdLst>
-    <p:notesMasterId r:id="rId13"/>
+    <p:notesMasterId r:id="rId21"/>
   </p:notesMasterIdLst>
   <p:sldIdLst>
     <p:sldId id="309" r:id="rId2"/>
@@ -19,6 +19,14 @@
     <p:sldId id="321" r:id="rId10"/>
     <p:sldId id="320" r:id="rId11"/>
     <p:sldId id="319" r:id="rId12"/>
+    <p:sldId id="322" r:id="rId13"/>
+    <p:sldId id="323" r:id="rId14"/>
+    <p:sldId id="324" r:id="rId15"/>
+    <p:sldId id="325" r:id="rId16"/>
+    <p:sldId id="327" r:id="rId17"/>
+    <p:sldId id="328" r:id="rId18"/>
+    <p:sldId id="329" r:id="rId19"/>
+    <p:sldId id="330" r:id="rId20"/>
   </p:sldIdLst>
   <p:sldSz cx="10058400" cy="7772400"/>
   <p:notesSz cx="10058400" cy="7772400"/>
@@ -133,12 +141,20 @@
             <p14:sldId id="321"/>
             <p14:sldId id="320"/>
             <p14:sldId id="319"/>
+            <p14:sldId id="322"/>
+            <p14:sldId id="323"/>
+            <p14:sldId id="324"/>
+            <p14:sldId id="325"/>
+            <p14:sldId id="327"/>
+            <p14:sldId id="328"/>
+            <p14:sldId id="329"/>
+            <p14:sldId id="330"/>
           </p14:sldIdLst>
         </p14:section>
       </p14:sectionLst>
     </p:ext>
     <p:ext uri="{EFAFB233-063F-42B5-8137-9DF3F51BA10A}">
-      <p15:sldGuideLst xmlns:p15="http://schemas.microsoft.com/office/powerpoint/2012/main">
+      <p15:sldGuideLst xmlns:p15="http://schemas.microsoft.com/office/powerpoint/2012/main" xmlns="">
         <p15:guide id="1" orient="horz" pos="2880">
           <p15:clr>
             <a:srgbClr val="A4A3A4"/>
@@ -237,7 +253,7 @@
           <a:p>
             <a:fld id="{D7CC76B6-B111-4A69-854B-FCF81214D556}" type="datetimeFigureOut">
               <a:rPr lang="ko-KR" altLang="en-US" smtClean="0"/>
-              <a:t>2019-08-06</a:t>
+              <a:t>2019-08-13</a:t>
             </a:fld>
             <a:endParaRPr lang="ko-KR" altLang="en-US"/>
           </a:p>
@@ -993,7 +1009,7 @@
   </p:timing>
   <p:extLst mod="1">
     <p:ext uri="{DCECCB84-F9BA-43D5-87BE-67443E8EF086}">
-      <p15:sldGuideLst xmlns:p15="http://schemas.microsoft.com/office/powerpoint/2012/main">
+      <p15:sldGuideLst xmlns:p15="http://schemas.microsoft.com/office/powerpoint/2012/main" xmlns="">
         <p15:guide id="1" orient="horz" pos="2448" userDrawn="1">
           <p15:clr>
             <a:srgbClr val="FBAE40"/>
@@ -1578,18 +1594,22 @@
           <a:lstStyle/>
           <a:p>
             <a:r>
-              <a:rPr lang="ko-KR" altLang="en-US" smtClean="0"/>
-              <a:t>잡스케줄 공통모듈 </a:t>
-            </a:r>
-            <a:r>
-              <a:rPr lang="en-US" altLang="ko-KR" smtClean="0"/>
+              <a:rPr lang="ko-KR" altLang="en-US" dirty="0" err="1" smtClean="0"/>
+              <a:t>잡스케줄</a:t>
+            </a:r>
+            <a:r>
+              <a:rPr lang="ko-KR" altLang="en-US" dirty="0" smtClean="0"/>
+              <a:t> 공통모듈 </a:t>
+            </a:r>
+            <a:r>
+              <a:rPr lang="en-US" altLang="ko-KR" dirty="0" smtClean="0"/>
               <a:t>- </a:t>
             </a:r>
             <a:r>
-              <a:rPr lang="ko-KR" altLang="en-US" smtClean="0"/>
+              <a:rPr lang="ko-KR" altLang="en-US" dirty="0" smtClean="0"/>
               <a:t>실시간</a:t>
             </a:r>
-            <a:endParaRPr lang="ko-KR" altLang="en-US"/>
+            <a:endParaRPr lang="ko-KR" altLang="en-US" dirty="0"/>
           </a:p>
         </p:txBody>
       </p:sp>
@@ -2493,14 +2513,14 @@
                 <a:gridCol w="1405349">
                   <a:extLst>
                     <a:ext uri="{9D8B030D-6E8A-4147-A177-3AD203B41FA5}">
-                      <a16:colId xmlns:a16="http://schemas.microsoft.com/office/drawing/2014/main" val="601353220"/>
+                      <a16:colId xmlns:a16="http://schemas.microsoft.com/office/drawing/2014/main" xmlns="" val="601353220"/>
                     </a:ext>
                   </a:extLst>
                 </a:gridCol>
                 <a:gridCol w="1198151">
                   <a:extLst>
                     <a:ext uri="{9D8B030D-6E8A-4147-A177-3AD203B41FA5}">
-                      <a16:colId xmlns:a16="http://schemas.microsoft.com/office/drawing/2014/main" val="704670528"/>
+                      <a16:colId xmlns:a16="http://schemas.microsoft.com/office/drawing/2014/main" xmlns="" val="704670528"/>
                     </a:ext>
                   </a:extLst>
                 </a:gridCol>
@@ -2553,7 +2573,7 @@
                 </a:tc>
                 <a:extLst>
                   <a:ext uri="{0D108BD9-81ED-4DB2-BD59-A6C34878D82A}">
-                    <a16:rowId xmlns:a16="http://schemas.microsoft.com/office/drawing/2014/main" val="3315149475"/>
+                    <a16:rowId xmlns:a16="http://schemas.microsoft.com/office/drawing/2014/main" xmlns="" val="3315149475"/>
                   </a:ext>
                 </a:extLst>
               </a:tr>
@@ -2605,7 +2625,7 @@
                 </a:tc>
                 <a:extLst>
                   <a:ext uri="{0D108BD9-81ED-4DB2-BD59-A6C34878D82A}">
-                    <a16:rowId xmlns:a16="http://schemas.microsoft.com/office/drawing/2014/main" val="968610381"/>
+                    <a16:rowId xmlns:a16="http://schemas.microsoft.com/office/drawing/2014/main" xmlns="" val="968610381"/>
                   </a:ext>
                 </a:extLst>
               </a:tr>
@@ -2657,7 +2677,7 @@
                 </a:tc>
                 <a:extLst>
                   <a:ext uri="{0D108BD9-81ED-4DB2-BD59-A6C34878D82A}">
-                    <a16:rowId xmlns:a16="http://schemas.microsoft.com/office/drawing/2014/main" val="229718773"/>
+                    <a16:rowId xmlns:a16="http://schemas.microsoft.com/office/drawing/2014/main" xmlns="" val="229718773"/>
                   </a:ext>
                 </a:extLst>
               </a:tr>
@@ -2709,7 +2729,7 @@
                 </a:tc>
                 <a:extLst>
                   <a:ext uri="{0D108BD9-81ED-4DB2-BD59-A6C34878D82A}">
-                    <a16:rowId xmlns:a16="http://schemas.microsoft.com/office/drawing/2014/main" val="2955997699"/>
+                    <a16:rowId xmlns:a16="http://schemas.microsoft.com/office/drawing/2014/main" xmlns="" val="2955997699"/>
                   </a:ext>
                 </a:extLst>
               </a:tr>
@@ -2761,7 +2781,7 @@
                 </a:tc>
                 <a:extLst>
                   <a:ext uri="{0D108BD9-81ED-4DB2-BD59-A6C34878D82A}">
-                    <a16:rowId xmlns:a16="http://schemas.microsoft.com/office/drawing/2014/main" val="4059030805"/>
+                    <a16:rowId xmlns:a16="http://schemas.microsoft.com/office/drawing/2014/main" xmlns="" val="4059030805"/>
                   </a:ext>
                 </a:extLst>
               </a:tr>
@@ -2813,7 +2833,7 @@
                 </a:tc>
                 <a:extLst>
                   <a:ext uri="{0D108BD9-81ED-4DB2-BD59-A6C34878D82A}">
-                    <a16:rowId xmlns:a16="http://schemas.microsoft.com/office/drawing/2014/main" val="1946753373"/>
+                    <a16:rowId xmlns:a16="http://schemas.microsoft.com/office/drawing/2014/main" xmlns="" val="1946753373"/>
                   </a:ext>
                 </a:extLst>
               </a:tr>
@@ -3108,7 +3128,7 @@
             <p:cNvPr id="68" name="TextBox 67">
               <a:extLst>
                 <a:ext uri="{FF2B5EF4-FFF2-40B4-BE49-F238E27FC236}">
-                  <a16:creationId xmlns:a16="http://schemas.microsoft.com/office/drawing/2014/main" id="{57B8B9CC-B285-42FE-95C4-C519EA443EFA}"/>
+                  <a16:creationId xmlns:a16="http://schemas.microsoft.com/office/drawing/2014/main" xmlns="" id="{57B8B9CC-B285-42FE-95C4-C519EA443EFA}"/>
                 </a:ext>
               </a:extLst>
             </p:cNvPr>
@@ -3404,6 +3424,1460 @@
 </p:sld>
 </file>
 
+<file path=ppt/slides/slide12.xml><?xml version="1.0" encoding="utf-8"?>
+<p:sld xmlns:a="http://schemas.openxmlformats.org/drawingml/2006/main" xmlns:r="http://schemas.openxmlformats.org/officeDocument/2006/relationships" xmlns:p="http://schemas.openxmlformats.org/presentationml/2006/main">
+  <p:cSld>
+    <p:spTree>
+      <p:nvGrpSpPr>
+        <p:cNvPr id="1" name=""/>
+        <p:cNvGrpSpPr/>
+        <p:nvPr/>
+      </p:nvGrpSpPr>
+      <p:grpSpPr>
+        <a:xfrm>
+          <a:off x="0" y="0"/>
+          <a:ext cx="0" cy="0"/>
+          <a:chOff x="0" y="0"/>
+          <a:chExt cx="0" cy="0"/>
+        </a:xfrm>
+      </p:grpSpPr>
+      <p:sp>
+        <p:nvSpPr>
+          <p:cNvPr id="3" name="제목 2"/>
+          <p:cNvSpPr>
+            <a:spLocks noGrp="1"/>
+          </p:cNvSpPr>
+          <p:nvPr>
+            <p:ph type="title"/>
+          </p:nvPr>
+        </p:nvSpPr>
+        <p:spPr/>
+        <p:txBody>
+          <a:bodyPr/>
+          <a:lstStyle/>
+          <a:p>
+            <a:r>
+              <a:rPr lang="en-US" altLang="ko-KR" dirty="0" err="1" smtClean="0"/>
+              <a:t>Oozie</a:t>
+            </a:r>
+            <a:r>
+              <a:rPr lang="en-US" altLang="ko-KR" dirty="0" smtClean="0"/>
+              <a:t> </a:t>
+            </a:r>
+            <a:r>
+              <a:rPr lang="ko-KR" altLang="en-US" dirty="0" smtClean="0"/>
+              <a:t>실시간 </a:t>
+            </a:r>
+            <a:r>
+              <a:rPr lang="en-US" altLang="ko-KR" dirty="0" smtClean="0"/>
+              <a:t>Job </a:t>
+            </a:r>
+            <a:r>
+              <a:rPr lang="ko-KR" altLang="en-US" dirty="0" smtClean="0"/>
+              <a:t>수행 결과</a:t>
+            </a:r>
+            <a:r>
+              <a:rPr lang="en-US" altLang="ko-KR" dirty="0" smtClean="0"/>
+              <a:t>(</a:t>
+            </a:r>
+            <a:r>
+              <a:rPr lang="ko-KR" altLang="en-US" dirty="0" smtClean="0"/>
+              <a:t>테스트</a:t>
+            </a:r>
+            <a:r>
+              <a:rPr lang="en-US" altLang="ko-KR" dirty="0" smtClean="0"/>
+              <a:t>) – </a:t>
+            </a:r>
+            <a:r>
+              <a:rPr lang="ko-KR" altLang="en-US" dirty="0" smtClean="0"/>
+              <a:t>정상 수행</a:t>
+            </a:r>
+            <a:endParaRPr lang="ko-KR" altLang="en-US" dirty="0"/>
+          </a:p>
+        </p:txBody>
+      </p:sp>
+      <p:sp>
+        <p:nvSpPr>
+          <p:cNvPr id="100" name="AutoShape 20" descr="REPEAT iconì ëí ì´ë¯¸ì§ ê²ìê²°ê³¼"/>
+          <p:cNvSpPr>
+            <a:spLocks noChangeAspect="1" noChangeArrowheads="1"/>
+          </p:cNvSpPr>
+          <p:nvPr/>
+        </p:nvSpPr>
+        <p:spPr bwMode="auto">
+          <a:xfrm flipV="1">
+            <a:off x="-3036014" y="1698625"/>
+            <a:ext cx="45719" cy="45719"/>
+          </a:xfrm>
+          <a:prstGeom prst="rect">
+            <a:avLst/>
+          </a:prstGeom>
+          <a:noFill/>
+          <a:extLst>
+            <a:ext uri="{909E8E84-426E-40DD-AFC4-6F175D3DCCD1}">
+              <a14:hiddenFill xmlns:a14="http://schemas.microsoft.com/office/drawing/2010/main">
+                <a:solidFill>
+                  <a:srgbClr val="FFFFFF"/>
+                </a:solidFill>
+              </a14:hiddenFill>
+            </a:ext>
+          </a:extLst>
+        </p:spPr>
+        <p:txBody>
+          <a:bodyPr vert="horz" wrap="square" lIns="91440" tIns="45720" rIns="91440" bIns="45720" numCol="1" anchor="t" anchorCtr="0" compatLnSpc="1">
+            <a:prstTxWarp prst="textNoShape">
+              <a:avLst/>
+            </a:prstTxWarp>
+          </a:bodyPr>
+          <a:lstStyle/>
+          <a:p>
+            <a:endParaRPr lang="ko-KR" altLang="en-US">
+              <a:solidFill>
+                <a:prstClr val="black"/>
+              </a:solidFill>
+            </a:endParaRPr>
+          </a:p>
+        </p:txBody>
+      </p:sp>
+      <p:pic>
+        <p:nvPicPr>
+          <p:cNvPr id="2050" name="Picture 2" descr="C:\Users\nuri_N0010\Desktop\EOS\결과\진행중1.PNG"/>
+          <p:cNvPicPr>
+            <a:picLocks noChangeAspect="1" noChangeArrowheads="1"/>
+          </p:cNvPicPr>
+          <p:nvPr/>
+        </p:nvPicPr>
+        <p:blipFill>
+          <a:blip r:embed="rId2">
+            <a:extLst>
+              <a:ext uri="{28A0092B-C50C-407E-A947-70E740481C1C}">
+                <a14:useLocalDpi xmlns:a14="http://schemas.microsoft.com/office/drawing/2010/main" val="0"/>
+              </a:ext>
+            </a:extLst>
+          </a:blip>
+          <a:srcRect/>
+          <a:stretch>
+            <a:fillRect/>
+          </a:stretch>
+        </p:blipFill>
+        <p:spPr bwMode="auto">
+          <a:xfrm>
+            <a:off x="1167882" y="1447800"/>
+            <a:ext cx="7624665" cy="5430416"/>
+          </a:xfrm>
+          <a:prstGeom prst="rect">
+            <a:avLst/>
+          </a:prstGeom>
+          <a:noFill/>
+          <a:extLst>
+            <a:ext uri="{909E8E84-426E-40DD-AFC4-6F175D3DCCD1}">
+              <a14:hiddenFill xmlns:a14="http://schemas.microsoft.com/office/drawing/2010/main">
+                <a:solidFill>
+                  <a:srgbClr val="FFFFFF"/>
+                </a:solidFill>
+              </a14:hiddenFill>
+            </a:ext>
+          </a:extLst>
+        </p:spPr>
+      </p:pic>
+    </p:spTree>
+    <p:extLst>
+      <p:ext uri="{BB962C8B-B14F-4D97-AF65-F5344CB8AC3E}">
+        <p14:creationId xmlns:p14="http://schemas.microsoft.com/office/powerpoint/2010/main" val="1837311527"/>
+      </p:ext>
+    </p:extLst>
+  </p:cSld>
+  <p:clrMapOvr>
+    <a:masterClrMapping/>
+  </p:clrMapOvr>
+  <p:timing>
+    <p:tnLst>
+      <p:par>
+        <p:cTn id="1" dur="indefinite" restart="never" nodeType="tmRoot"/>
+      </p:par>
+    </p:tnLst>
+  </p:timing>
+</p:sld>
+</file>
+
+<file path=ppt/slides/slide13.xml><?xml version="1.0" encoding="utf-8"?>
+<p:sld xmlns:a="http://schemas.openxmlformats.org/drawingml/2006/main" xmlns:r="http://schemas.openxmlformats.org/officeDocument/2006/relationships" xmlns:p="http://schemas.openxmlformats.org/presentationml/2006/main">
+  <p:cSld>
+    <p:spTree>
+      <p:nvGrpSpPr>
+        <p:cNvPr id="1" name=""/>
+        <p:cNvGrpSpPr/>
+        <p:nvPr/>
+      </p:nvGrpSpPr>
+      <p:grpSpPr>
+        <a:xfrm>
+          <a:off x="0" y="0"/>
+          <a:ext cx="0" cy="0"/>
+          <a:chOff x="0" y="0"/>
+          <a:chExt cx="0" cy="0"/>
+        </a:xfrm>
+      </p:grpSpPr>
+      <p:sp>
+        <p:nvSpPr>
+          <p:cNvPr id="3" name="제목 2"/>
+          <p:cNvSpPr>
+            <a:spLocks noGrp="1"/>
+          </p:cNvSpPr>
+          <p:nvPr>
+            <p:ph type="title"/>
+          </p:nvPr>
+        </p:nvSpPr>
+        <p:spPr/>
+        <p:txBody>
+          <a:bodyPr/>
+          <a:lstStyle/>
+          <a:p>
+            <a:r>
+              <a:rPr lang="en-US" altLang="ko-KR" dirty="0" err="1" smtClean="0"/>
+              <a:t>Oozie</a:t>
+            </a:r>
+            <a:r>
+              <a:rPr lang="en-US" altLang="ko-KR" dirty="0" smtClean="0"/>
+              <a:t> </a:t>
+            </a:r>
+            <a:r>
+              <a:rPr lang="ko-KR" altLang="en-US" dirty="0" smtClean="0"/>
+              <a:t>실시간 </a:t>
+            </a:r>
+            <a:r>
+              <a:rPr lang="en-US" altLang="ko-KR" dirty="0" smtClean="0"/>
+              <a:t>Job </a:t>
+            </a:r>
+            <a:r>
+              <a:rPr lang="ko-KR" altLang="en-US" dirty="0" smtClean="0"/>
+              <a:t>수행 결과</a:t>
+            </a:r>
+            <a:r>
+              <a:rPr lang="en-US" altLang="ko-KR" dirty="0" smtClean="0"/>
+              <a:t>(</a:t>
+            </a:r>
+            <a:r>
+              <a:rPr lang="ko-KR" altLang="en-US" dirty="0" smtClean="0"/>
+              <a:t>테스트</a:t>
+            </a:r>
+            <a:r>
+              <a:rPr lang="en-US" altLang="ko-KR" dirty="0" smtClean="0"/>
+              <a:t>) – </a:t>
+            </a:r>
+            <a:r>
+              <a:rPr lang="ko-KR" altLang="en-US" dirty="0" smtClean="0"/>
+              <a:t>정상 수행</a:t>
+            </a:r>
+            <a:endParaRPr lang="ko-KR" altLang="en-US" dirty="0"/>
+          </a:p>
+        </p:txBody>
+      </p:sp>
+      <p:sp>
+        <p:nvSpPr>
+          <p:cNvPr id="100" name="AutoShape 20" descr="REPEAT iconì ëí ì´ë¯¸ì§ ê²ìê²°ê³¼"/>
+          <p:cNvSpPr>
+            <a:spLocks noChangeAspect="1" noChangeArrowheads="1"/>
+          </p:cNvSpPr>
+          <p:nvPr/>
+        </p:nvSpPr>
+        <p:spPr bwMode="auto">
+          <a:xfrm flipV="1">
+            <a:off x="-3036014" y="1698625"/>
+            <a:ext cx="45719" cy="45719"/>
+          </a:xfrm>
+          <a:prstGeom prst="rect">
+            <a:avLst/>
+          </a:prstGeom>
+          <a:noFill/>
+          <a:extLst>
+            <a:ext uri="{909E8E84-426E-40DD-AFC4-6F175D3DCCD1}">
+              <a14:hiddenFill xmlns:a14="http://schemas.microsoft.com/office/drawing/2010/main">
+                <a:solidFill>
+                  <a:srgbClr val="FFFFFF"/>
+                </a:solidFill>
+              </a14:hiddenFill>
+            </a:ext>
+          </a:extLst>
+        </p:spPr>
+        <p:txBody>
+          <a:bodyPr vert="horz" wrap="square" lIns="91440" tIns="45720" rIns="91440" bIns="45720" numCol="1" anchor="t" anchorCtr="0" compatLnSpc="1">
+            <a:prstTxWarp prst="textNoShape">
+              <a:avLst/>
+            </a:prstTxWarp>
+          </a:bodyPr>
+          <a:lstStyle/>
+          <a:p>
+            <a:endParaRPr lang="ko-KR" altLang="en-US">
+              <a:solidFill>
+                <a:prstClr val="black"/>
+              </a:solidFill>
+            </a:endParaRPr>
+          </a:p>
+        </p:txBody>
+      </p:sp>
+      <p:pic>
+        <p:nvPicPr>
+          <p:cNvPr id="3074" name="Picture 2" descr="C:\Users\nuri_N0010\Desktop\EOS\결과\진행중.png"/>
+          <p:cNvPicPr>
+            <a:picLocks noChangeAspect="1" noChangeArrowheads="1"/>
+          </p:cNvPicPr>
+          <p:nvPr/>
+        </p:nvPicPr>
+        <p:blipFill rotWithShape="1">
+          <a:blip r:embed="rId2">
+            <a:extLst>
+              <a:ext uri="{28A0092B-C50C-407E-A947-70E740481C1C}">
+                <a14:useLocalDpi xmlns:a14="http://schemas.microsoft.com/office/drawing/2010/main" val="0"/>
+              </a:ext>
+            </a:extLst>
+          </a:blip>
+          <a:srcRect r="46024"/>
+          <a:stretch/>
+        </p:blipFill>
+        <p:spPr bwMode="auto">
+          <a:xfrm>
+            <a:off x="3276601" y="1524000"/>
+            <a:ext cx="3276600" cy="5334000"/>
+          </a:xfrm>
+          <a:prstGeom prst="rect">
+            <a:avLst/>
+          </a:prstGeom>
+          <a:noFill/>
+          <a:ln>
+            <a:solidFill>
+              <a:schemeClr val="tx1"/>
+            </a:solidFill>
+          </a:ln>
+          <a:extLst>
+            <a:ext uri="{909E8E84-426E-40DD-AFC4-6F175D3DCCD1}">
+              <a14:hiddenFill xmlns:a14="http://schemas.microsoft.com/office/drawing/2010/main">
+                <a:solidFill>
+                  <a:srgbClr val="FFFFFF"/>
+                </a:solidFill>
+              </a14:hiddenFill>
+            </a:ext>
+          </a:extLst>
+        </p:spPr>
+      </p:pic>
+    </p:spTree>
+    <p:extLst>
+      <p:ext uri="{BB962C8B-B14F-4D97-AF65-F5344CB8AC3E}">
+        <p14:creationId xmlns:p14="http://schemas.microsoft.com/office/powerpoint/2010/main" val="602102090"/>
+      </p:ext>
+    </p:extLst>
+  </p:cSld>
+  <p:clrMapOvr>
+    <a:masterClrMapping/>
+  </p:clrMapOvr>
+  <p:timing>
+    <p:tnLst>
+      <p:par>
+        <p:cTn id="1" dur="indefinite" restart="never" nodeType="tmRoot"/>
+      </p:par>
+    </p:tnLst>
+  </p:timing>
+</p:sld>
+</file>
+
+<file path=ppt/slides/slide14.xml><?xml version="1.0" encoding="utf-8"?>
+<p:sld xmlns:a="http://schemas.openxmlformats.org/drawingml/2006/main" xmlns:r="http://schemas.openxmlformats.org/officeDocument/2006/relationships" xmlns:p="http://schemas.openxmlformats.org/presentationml/2006/main">
+  <p:cSld>
+    <p:spTree>
+      <p:nvGrpSpPr>
+        <p:cNvPr id="1" name=""/>
+        <p:cNvGrpSpPr/>
+        <p:nvPr/>
+      </p:nvGrpSpPr>
+      <p:grpSpPr>
+        <a:xfrm>
+          <a:off x="0" y="0"/>
+          <a:ext cx="0" cy="0"/>
+          <a:chOff x="0" y="0"/>
+          <a:chExt cx="0" cy="0"/>
+        </a:xfrm>
+      </p:grpSpPr>
+      <p:sp>
+        <p:nvSpPr>
+          <p:cNvPr id="3" name="제목 2"/>
+          <p:cNvSpPr>
+            <a:spLocks noGrp="1"/>
+          </p:cNvSpPr>
+          <p:nvPr>
+            <p:ph type="title"/>
+          </p:nvPr>
+        </p:nvSpPr>
+        <p:spPr/>
+        <p:txBody>
+          <a:bodyPr/>
+          <a:lstStyle/>
+          <a:p>
+            <a:r>
+              <a:rPr lang="en-US" altLang="ko-KR" dirty="0" err="1" smtClean="0"/>
+              <a:t>Oozie</a:t>
+            </a:r>
+            <a:r>
+              <a:rPr lang="en-US" altLang="ko-KR" dirty="0" smtClean="0"/>
+              <a:t> </a:t>
+            </a:r>
+            <a:r>
+              <a:rPr lang="ko-KR" altLang="en-US" dirty="0" smtClean="0"/>
+              <a:t>실시간 </a:t>
+            </a:r>
+            <a:r>
+              <a:rPr lang="en-US" altLang="ko-KR" dirty="0" smtClean="0"/>
+              <a:t>Job </a:t>
+            </a:r>
+            <a:r>
+              <a:rPr lang="ko-KR" altLang="en-US" dirty="0" smtClean="0"/>
+              <a:t>수행 결과</a:t>
+            </a:r>
+            <a:r>
+              <a:rPr lang="en-US" altLang="ko-KR" dirty="0" smtClean="0"/>
+              <a:t>(</a:t>
+            </a:r>
+            <a:r>
+              <a:rPr lang="ko-KR" altLang="en-US" dirty="0" smtClean="0"/>
+              <a:t>테스트</a:t>
+            </a:r>
+            <a:r>
+              <a:rPr lang="en-US" altLang="ko-KR" dirty="0" smtClean="0"/>
+              <a:t>) – </a:t>
+            </a:r>
+            <a:r>
+              <a:rPr lang="ko-KR" altLang="en-US" dirty="0" smtClean="0"/>
+              <a:t>수행 중</a:t>
+            </a:r>
+            <a:endParaRPr lang="ko-KR" altLang="en-US" dirty="0"/>
+          </a:p>
+        </p:txBody>
+      </p:sp>
+      <p:sp>
+        <p:nvSpPr>
+          <p:cNvPr id="100" name="AutoShape 20" descr="REPEAT iconì ëí ì´ë¯¸ì§ ê²ìê²°ê³¼"/>
+          <p:cNvSpPr>
+            <a:spLocks noChangeAspect="1" noChangeArrowheads="1"/>
+          </p:cNvSpPr>
+          <p:nvPr/>
+        </p:nvSpPr>
+        <p:spPr bwMode="auto">
+          <a:xfrm flipV="1">
+            <a:off x="-3036014" y="1698625"/>
+            <a:ext cx="45719" cy="45719"/>
+          </a:xfrm>
+          <a:prstGeom prst="rect">
+            <a:avLst/>
+          </a:prstGeom>
+          <a:noFill/>
+          <a:extLst>
+            <a:ext uri="{909E8E84-426E-40DD-AFC4-6F175D3DCCD1}">
+              <a14:hiddenFill xmlns:a14="http://schemas.microsoft.com/office/drawing/2010/main">
+                <a:solidFill>
+                  <a:srgbClr val="FFFFFF"/>
+                </a:solidFill>
+              </a14:hiddenFill>
+            </a:ext>
+          </a:extLst>
+        </p:spPr>
+        <p:txBody>
+          <a:bodyPr vert="horz" wrap="square" lIns="91440" tIns="45720" rIns="91440" bIns="45720" numCol="1" anchor="t" anchorCtr="0" compatLnSpc="1">
+            <a:prstTxWarp prst="textNoShape">
+              <a:avLst/>
+            </a:prstTxWarp>
+          </a:bodyPr>
+          <a:lstStyle/>
+          <a:p>
+            <a:endParaRPr lang="ko-KR" altLang="en-US">
+              <a:solidFill>
+                <a:prstClr val="black"/>
+              </a:solidFill>
+            </a:endParaRPr>
+          </a:p>
+        </p:txBody>
+      </p:sp>
+      <p:pic>
+        <p:nvPicPr>
+          <p:cNvPr id="4098" name="Picture 2" descr="C:\Users\nuri_N0010\Desktop\EOS\결과\수행중1.PNG"/>
+          <p:cNvPicPr>
+            <a:picLocks noChangeAspect="1" noChangeArrowheads="1"/>
+          </p:cNvPicPr>
+          <p:nvPr/>
+        </p:nvPicPr>
+        <p:blipFill>
+          <a:blip r:embed="rId2">
+            <a:extLst>
+              <a:ext uri="{28A0092B-C50C-407E-A947-70E740481C1C}">
+                <a14:useLocalDpi xmlns:a14="http://schemas.microsoft.com/office/drawing/2010/main" val="0"/>
+              </a:ext>
+            </a:extLst>
+          </a:blip>
+          <a:srcRect/>
+          <a:stretch>
+            <a:fillRect/>
+          </a:stretch>
+        </p:blipFill>
+        <p:spPr bwMode="auto">
+          <a:xfrm>
+            <a:off x="1066800" y="1443135"/>
+            <a:ext cx="7848600" cy="5453161"/>
+          </a:xfrm>
+          <a:prstGeom prst="rect">
+            <a:avLst/>
+          </a:prstGeom>
+          <a:noFill/>
+          <a:extLst>
+            <a:ext uri="{909E8E84-426E-40DD-AFC4-6F175D3DCCD1}">
+              <a14:hiddenFill xmlns:a14="http://schemas.microsoft.com/office/drawing/2010/main">
+                <a:solidFill>
+                  <a:srgbClr val="FFFFFF"/>
+                </a:solidFill>
+              </a14:hiddenFill>
+            </a:ext>
+          </a:extLst>
+        </p:spPr>
+      </p:pic>
+    </p:spTree>
+    <p:extLst>
+      <p:ext uri="{BB962C8B-B14F-4D97-AF65-F5344CB8AC3E}">
+        <p14:creationId xmlns:p14="http://schemas.microsoft.com/office/powerpoint/2010/main" val="3864898268"/>
+      </p:ext>
+    </p:extLst>
+  </p:cSld>
+  <p:clrMapOvr>
+    <a:masterClrMapping/>
+  </p:clrMapOvr>
+  <p:timing>
+    <p:tnLst>
+      <p:par>
+        <p:cTn id="1" dur="indefinite" restart="never" nodeType="tmRoot"/>
+      </p:par>
+    </p:tnLst>
+  </p:timing>
+</p:sld>
+</file>
+
+<file path=ppt/slides/slide15.xml><?xml version="1.0" encoding="utf-8"?>
+<p:sld xmlns:a="http://schemas.openxmlformats.org/drawingml/2006/main" xmlns:r="http://schemas.openxmlformats.org/officeDocument/2006/relationships" xmlns:p="http://schemas.openxmlformats.org/presentationml/2006/main">
+  <p:cSld>
+    <p:spTree>
+      <p:nvGrpSpPr>
+        <p:cNvPr id="1" name=""/>
+        <p:cNvGrpSpPr/>
+        <p:nvPr/>
+      </p:nvGrpSpPr>
+      <p:grpSpPr>
+        <a:xfrm>
+          <a:off x="0" y="0"/>
+          <a:ext cx="0" cy="0"/>
+          <a:chOff x="0" y="0"/>
+          <a:chExt cx="0" cy="0"/>
+        </a:xfrm>
+      </p:grpSpPr>
+      <p:sp>
+        <p:nvSpPr>
+          <p:cNvPr id="3" name="제목 2"/>
+          <p:cNvSpPr>
+            <a:spLocks noGrp="1"/>
+          </p:cNvSpPr>
+          <p:nvPr>
+            <p:ph type="title"/>
+          </p:nvPr>
+        </p:nvSpPr>
+        <p:spPr/>
+        <p:txBody>
+          <a:bodyPr/>
+          <a:lstStyle/>
+          <a:p>
+            <a:r>
+              <a:rPr lang="en-US" altLang="ko-KR" dirty="0" err="1" smtClean="0"/>
+              <a:t>Oozie</a:t>
+            </a:r>
+            <a:r>
+              <a:rPr lang="en-US" altLang="ko-KR" dirty="0" smtClean="0"/>
+              <a:t> </a:t>
+            </a:r>
+            <a:r>
+              <a:rPr lang="ko-KR" altLang="en-US" dirty="0" smtClean="0"/>
+              <a:t>실시간 </a:t>
+            </a:r>
+            <a:r>
+              <a:rPr lang="en-US" altLang="ko-KR" dirty="0" smtClean="0"/>
+              <a:t>Job </a:t>
+            </a:r>
+            <a:r>
+              <a:rPr lang="ko-KR" altLang="en-US" dirty="0" smtClean="0"/>
+              <a:t>수행 결과</a:t>
+            </a:r>
+            <a:r>
+              <a:rPr lang="en-US" altLang="ko-KR" dirty="0" smtClean="0"/>
+              <a:t>(</a:t>
+            </a:r>
+            <a:r>
+              <a:rPr lang="ko-KR" altLang="en-US" dirty="0" smtClean="0"/>
+              <a:t>테스트</a:t>
+            </a:r>
+            <a:r>
+              <a:rPr lang="en-US" altLang="ko-KR" dirty="0" smtClean="0"/>
+              <a:t>) – </a:t>
+            </a:r>
+            <a:r>
+              <a:rPr lang="ko-KR" altLang="en-US" dirty="0" smtClean="0"/>
+              <a:t>수행 중</a:t>
+            </a:r>
+            <a:endParaRPr lang="ko-KR" altLang="en-US" dirty="0"/>
+          </a:p>
+        </p:txBody>
+      </p:sp>
+      <p:sp>
+        <p:nvSpPr>
+          <p:cNvPr id="100" name="AutoShape 20" descr="REPEAT iconì ëí ì´ë¯¸ì§ ê²ìê²°ê³¼"/>
+          <p:cNvSpPr>
+            <a:spLocks noChangeAspect="1" noChangeArrowheads="1"/>
+          </p:cNvSpPr>
+          <p:nvPr/>
+        </p:nvSpPr>
+        <p:spPr bwMode="auto">
+          <a:xfrm flipV="1">
+            <a:off x="-3036014" y="1698625"/>
+            <a:ext cx="45719" cy="45719"/>
+          </a:xfrm>
+          <a:prstGeom prst="rect">
+            <a:avLst/>
+          </a:prstGeom>
+          <a:noFill/>
+          <a:extLst>
+            <a:ext uri="{909E8E84-426E-40DD-AFC4-6F175D3DCCD1}">
+              <a14:hiddenFill xmlns:a14="http://schemas.microsoft.com/office/drawing/2010/main">
+                <a:solidFill>
+                  <a:srgbClr val="FFFFFF"/>
+                </a:solidFill>
+              </a14:hiddenFill>
+            </a:ext>
+          </a:extLst>
+        </p:spPr>
+        <p:txBody>
+          <a:bodyPr vert="horz" wrap="square" lIns="91440" tIns="45720" rIns="91440" bIns="45720" numCol="1" anchor="t" anchorCtr="0" compatLnSpc="1">
+            <a:prstTxWarp prst="textNoShape">
+              <a:avLst/>
+            </a:prstTxWarp>
+          </a:bodyPr>
+          <a:lstStyle/>
+          <a:p>
+            <a:endParaRPr lang="ko-KR" altLang="en-US">
+              <a:solidFill>
+                <a:prstClr val="black"/>
+              </a:solidFill>
+            </a:endParaRPr>
+          </a:p>
+        </p:txBody>
+      </p:sp>
+      <p:pic>
+        <p:nvPicPr>
+          <p:cNvPr id="5122" name="Picture 2" descr="C:\Users\nuri_N0010\Desktop\EOS\결과\수행중.png"/>
+          <p:cNvPicPr>
+            <a:picLocks noChangeAspect="1" noChangeArrowheads="1"/>
+          </p:cNvPicPr>
+          <p:nvPr/>
+        </p:nvPicPr>
+        <p:blipFill rotWithShape="1">
+          <a:blip r:embed="rId2">
+            <a:extLst>
+              <a:ext uri="{28A0092B-C50C-407E-A947-70E740481C1C}">
+                <a14:useLocalDpi xmlns:a14="http://schemas.microsoft.com/office/drawing/2010/main" val="0"/>
+              </a:ext>
+            </a:extLst>
+          </a:blip>
+          <a:srcRect r="43040"/>
+          <a:stretch/>
+        </p:blipFill>
+        <p:spPr bwMode="auto">
+          <a:xfrm>
+            <a:off x="457200" y="1447800"/>
+            <a:ext cx="3352800" cy="5410200"/>
+          </a:xfrm>
+          <a:prstGeom prst="rect">
+            <a:avLst/>
+          </a:prstGeom>
+          <a:noFill/>
+          <a:ln>
+            <a:solidFill>
+              <a:schemeClr val="tx1"/>
+            </a:solidFill>
+          </a:ln>
+          <a:extLst>
+            <a:ext uri="{909E8E84-426E-40DD-AFC4-6F175D3DCCD1}">
+              <a14:hiddenFill xmlns:a14="http://schemas.microsoft.com/office/drawing/2010/main">
+                <a:solidFill>
+                  <a:srgbClr val="FFFFFF"/>
+                </a:solidFill>
+              </a14:hiddenFill>
+            </a:ext>
+          </a:extLst>
+        </p:spPr>
+      </p:pic>
+      <p:pic>
+        <p:nvPicPr>
+          <p:cNvPr id="2" name="그림 1"/>
+          <p:cNvPicPr>
+            <a:picLocks noChangeAspect="1"/>
+          </p:cNvPicPr>
+          <p:nvPr/>
+        </p:nvPicPr>
+        <p:blipFill rotWithShape="1">
+          <a:blip r:embed="rId3">
+            <a:extLst>
+              <a:ext uri="{28A0092B-C50C-407E-A947-70E740481C1C}">
+                <a14:useLocalDpi xmlns:a14="http://schemas.microsoft.com/office/drawing/2010/main" val="0"/>
+              </a:ext>
+            </a:extLst>
+          </a:blip>
+          <a:srcRect r="43569"/>
+          <a:stretch/>
+        </p:blipFill>
+        <p:spPr>
+          <a:xfrm>
+            <a:off x="6172200" y="1447800"/>
+            <a:ext cx="3352800" cy="5410200"/>
+          </a:xfrm>
+          <a:prstGeom prst="rect">
+            <a:avLst/>
+          </a:prstGeom>
+          <a:ln>
+            <a:solidFill>
+              <a:schemeClr val="tx1"/>
+            </a:solidFill>
+          </a:ln>
+        </p:spPr>
+      </p:pic>
+      <p:sp>
+        <p:nvSpPr>
+          <p:cNvPr id="5" name="오른쪽 화살표 4"/>
+          <p:cNvSpPr/>
+          <p:nvPr/>
+        </p:nvSpPr>
+        <p:spPr>
+          <a:xfrm>
+            <a:off x="4495800" y="3962400"/>
+            <a:ext cx="914400" cy="571500"/>
+          </a:xfrm>
+          <a:prstGeom prst="rightArrow">
+            <a:avLst/>
+          </a:prstGeom>
+          <a:solidFill>
+            <a:srgbClr val="FFFFFF"/>
+          </a:solidFill>
+          <a:ln w="38100">
+            <a:solidFill>
+              <a:srgbClr val="FF0000"/>
+            </a:solidFill>
+          </a:ln>
+        </p:spPr>
+        <p:txBody>
+          <a:bodyPr wrap="square" lIns="0" tIns="0" rIns="0" bIns="0" rtlCol="0" anchor="ctr"/>
+          <a:lstStyle/>
+          <a:p>
+            <a:pPr algn="ctr"/>
+            <a:endParaRPr lang="ko-KR" altLang="en-US" sz="1000" dirty="0" smtClean="0">
+              <a:latin typeface="Noto Sans CJK JP Regular"/>
+            </a:endParaRPr>
+          </a:p>
+        </p:txBody>
+      </p:sp>
+    </p:spTree>
+    <p:extLst>
+      <p:ext uri="{BB962C8B-B14F-4D97-AF65-F5344CB8AC3E}">
+        <p14:creationId xmlns:p14="http://schemas.microsoft.com/office/powerpoint/2010/main" val="3071094522"/>
+      </p:ext>
+    </p:extLst>
+  </p:cSld>
+  <p:clrMapOvr>
+    <a:masterClrMapping/>
+  </p:clrMapOvr>
+  <p:timing>
+    <p:tnLst>
+      <p:par>
+        <p:cTn id="1" dur="indefinite" restart="never" nodeType="tmRoot"/>
+      </p:par>
+    </p:tnLst>
+  </p:timing>
+</p:sld>
+</file>
+
+<file path=ppt/slides/slide16.xml><?xml version="1.0" encoding="utf-8"?>
+<p:sld xmlns:a="http://schemas.openxmlformats.org/drawingml/2006/main" xmlns:r="http://schemas.openxmlformats.org/officeDocument/2006/relationships" xmlns:p="http://schemas.openxmlformats.org/presentationml/2006/main">
+  <p:cSld>
+    <p:spTree>
+      <p:nvGrpSpPr>
+        <p:cNvPr id="1" name=""/>
+        <p:cNvGrpSpPr/>
+        <p:nvPr/>
+      </p:nvGrpSpPr>
+      <p:grpSpPr>
+        <a:xfrm>
+          <a:off x="0" y="0"/>
+          <a:ext cx="0" cy="0"/>
+          <a:chOff x="0" y="0"/>
+          <a:chExt cx="0" cy="0"/>
+        </a:xfrm>
+      </p:grpSpPr>
+      <p:sp>
+        <p:nvSpPr>
+          <p:cNvPr id="3" name="제목 2"/>
+          <p:cNvSpPr>
+            <a:spLocks noGrp="1"/>
+          </p:cNvSpPr>
+          <p:nvPr>
+            <p:ph type="title"/>
+          </p:nvPr>
+        </p:nvSpPr>
+        <p:spPr/>
+        <p:txBody>
+          <a:bodyPr/>
+          <a:lstStyle/>
+          <a:p>
+            <a:r>
+              <a:rPr lang="en-US" altLang="ko-KR" dirty="0" err="1" smtClean="0"/>
+              <a:t>Oozie</a:t>
+            </a:r>
+            <a:r>
+              <a:rPr lang="en-US" altLang="ko-KR" dirty="0" smtClean="0"/>
+              <a:t> </a:t>
+            </a:r>
+            <a:r>
+              <a:rPr lang="ko-KR" altLang="en-US" dirty="0" smtClean="0"/>
+              <a:t>실시간 </a:t>
+            </a:r>
+            <a:r>
+              <a:rPr lang="en-US" altLang="ko-KR" dirty="0" smtClean="0"/>
+              <a:t>Job </a:t>
+            </a:r>
+            <a:r>
+              <a:rPr lang="ko-KR" altLang="en-US" dirty="0" smtClean="0"/>
+              <a:t>수행 결과</a:t>
+            </a:r>
+            <a:r>
+              <a:rPr lang="en-US" altLang="ko-KR" dirty="0" smtClean="0"/>
+              <a:t>(</a:t>
+            </a:r>
+            <a:r>
+              <a:rPr lang="ko-KR" altLang="en-US" dirty="0" smtClean="0"/>
+              <a:t>테스트</a:t>
+            </a:r>
+            <a:r>
+              <a:rPr lang="en-US" altLang="ko-KR" dirty="0" smtClean="0"/>
+              <a:t>) – </a:t>
+            </a:r>
+            <a:r>
+              <a:rPr lang="ko-KR" altLang="en-US" dirty="0" smtClean="0"/>
+              <a:t>강제종료</a:t>
+            </a:r>
+            <a:r>
+              <a:rPr lang="en-US" altLang="ko-KR" dirty="0" smtClean="0"/>
+              <a:t>(Kill)</a:t>
+            </a:r>
+            <a:endParaRPr lang="ko-KR" altLang="en-US" dirty="0"/>
+          </a:p>
+        </p:txBody>
+      </p:sp>
+      <p:sp>
+        <p:nvSpPr>
+          <p:cNvPr id="100" name="AutoShape 20" descr="REPEAT iconì ëí ì´ë¯¸ì§ ê²ìê²°ê³¼"/>
+          <p:cNvSpPr>
+            <a:spLocks noChangeAspect="1" noChangeArrowheads="1"/>
+          </p:cNvSpPr>
+          <p:nvPr/>
+        </p:nvSpPr>
+        <p:spPr bwMode="auto">
+          <a:xfrm flipV="1">
+            <a:off x="-3036014" y="1698625"/>
+            <a:ext cx="45719" cy="45719"/>
+          </a:xfrm>
+          <a:prstGeom prst="rect">
+            <a:avLst/>
+          </a:prstGeom>
+          <a:noFill/>
+          <a:extLst>
+            <a:ext uri="{909E8E84-426E-40DD-AFC4-6F175D3DCCD1}">
+              <a14:hiddenFill xmlns:a14="http://schemas.microsoft.com/office/drawing/2010/main">
+                <a:solidFill>
+                  <a:srgbClr val="FFFFFF"/>
+                </a:solidFill>
+              </a14:hiddenFill>
+            </a:ext>
+          </a:extLst>
+        </p:spPr>
+        <p:txBody>
+          <a:bodyPr vert="horz" wrap="square" lIns="91440" tIns="45720" rIns="91440" bIns="45720" numCol="1" anchor="t" anchorCtr="0" compatLnSpc="1">
+            <a:prstTxWarp prst="textNoShape">
+              <a:avLst/>
+            </a:prstTxWarp>
+          </a:bodyPr>
+          <a:lstStyle/>
+          <a:p>
+            <a:endParaRPr lang="ko-KR" altLang="en-US">
+              <a:solidFill>
+                <a:prstClr val="black"/>
+              </a:solidFill>
+            </a:endParaRPr>
+          </a:p>
+        </p:txBody>
+      </p:sp>
+      <p:pic>
+        <p:nvPicPr>
+          <p:cNvPr id="2" name="그림 1"/>
+          <p:cNvPicPr>
+            <a:picLocks noChangeAspect="1"/>
+          </p:cNvPicPr>
+          <p:nvPr/>
+        </p:nvPicPr>
+        <p:blipFill>
+          <a:blip r:embed="rId2">
+            <a:extLst>
+              <a:ext uri="{28A0092B-C50C-407E-A947-70E740481C1C}">
+                <a14:useLocalDpi xmlns:a14="http://schemas.microsoft.com/office/drawing/2010/main" val="0"/>
+              </a:ext>
+            </a:extLst>
+          </a:blip>
+          <a:stretch>
+            <a:fillRect/>
+          </a:stretch>
+        </p:blipFill>
+        <p:spPr>
+          <a:xfrm>
+            <a:off x="1143000" y="1524000"/>
+            <a:ext cx="7620000" cy="5333999"/>
+          </a:xfrm>
+          <a:prstGeom prst="rect">
+            <a:avLst/>
+          </a:prstGeom>
+        </p:spPr>
+      </p:pic>
+    </p:spTree>
+    <p:extLst>
+      <p:ext uri="{BB962C8B-B14F-4D97-AF65-F5344CB8AC3E}">
+        <p14:creationId xmlns:p14="http://schemas.microsoft.com/office/powerpoint/2010/main" val="2265857524"/>
+      </p:ext>
+    </p:extLst>
+  </p:cSld>
+  <p:clrMapOvr>
+    <a:masterClrMapping/>
+  </p:clrMapOvr>
+  <p:timing>
+    <p:tnLst>
+      <p:par>
+        <p:cTn id="1" dur="indefinite" restart="never" nodeType="tmRoot"/>
+      </p:par>
+    </p:tnLst>
+  </p:timing>
+</p:sld>
+</file>
+
+<file path=ppt/slides/slide17.xml><?xml version="1.0" encoding="utf-8"?>
+<p:sld xmlns:a="http://schemas.openxmlformats.org/drawingml/2006/main" xmlns:r="http://schemas.openxmlformats.org/officeDocument/2006/relationships" xmlns:p="http://schemas.openxmlformats.org/presentationml/2006/main">
+  <p:cSld>
+    <p:spTree>
+      <p:nvGrpSpPr>
+        <p:cNvPr id="1" name=""/>
+        <p:cNvGrpSpPr/>
+        <p:nvPr/>
+      </p:nvGrpSpPr>
+      <p:grpSpPr>
+        <a:xfrm>
+          <a:off x="0" y="0"/>
+          <a:ext cx="0" cy="0"/>
+          <a:chOff x="0" y="0"/>
+          <a:chExt cx="0" cy="0"/>
+        </a:xfrm>
+      </p:grpSpPr>
+      <p:sp>
+        <p:nvSpPr>
+          <p:cNvPr id="3" name="제목 2"/>
+          <p:cNvSpPr>
+            <a:spLocks noGrp="1"/>
+          </p:cNvSpPr>
+          <p:nvPr>
+            <p:ph type="title"/>
+          </p:nvPr>
+        </p:nvSpPr>
+        <p:spPr/>
+        <p:txBody>
+          <a:bodyPr/>
+          <a:lstStyle/>
+          <a:p>
+            <a:r>
+              <a:rPr lang="en-US" altLang="ko-KR" dirty="0" err="1" smtClean="0"/>
+              <a:t>Oozie</a:t>
+            </a:r>
+            <a:r>
+              <a:rPr lang="en-US" altLang="ko-KR" dirty="0" smtClean="0"/>
+              <a:t> </a:t>
+            </a:r>
+            <a:r>
+              <a:rPr lang="ko-KR" altLang="en-US" dirty="0" smtClean="0"/>
+              <a:t>실시간 </a:t>
+            </a:r>
+            <a:r>
+              <a:rPr lang="en-US" altLang="ko-KR" dirty="0" smtClean="0"/>
+              <a:t>Job </a:t>
+            </a:r>
+            <a:r>
+              <a:rPr lang="ko-KR" altLang="en-US" dirty="0" smtClean="0"/>
+              <a:t>수행 결과</a:t>
+            </a:r>
+            <a:r>
+              <a:rPr lang="en-US" altLang="ko-KR" dirty="0" smtClean="0"/>
+              <a:t>(</a:t>
+            </a:r>
+            <a:r>
+              <a:rPr lang="ko-KR" altLang="en-US" dirty="0" smtClean="0"/>
+              <a:t>테스트</a:t>
+            </a:r>
+            <a:r>
+              <a:rPr lang="en-US" altLang="ko-KR" dirty="0" smtClean="0"/>
+              <a:t>) – </a:t>
+            </a:r>
+            <a:r>
+              <a:rPr lang="ko-KR" altLang="en-US" dirty="0" smtClean="0"/>
+              <a:t>강제종료</a:t>
+            </a:r>
+            <a:r>
+              <a:rPr lang="en-US" altLang="ko-KR" dirty="0" smtClean="0"/>
+              <a:t>(Kill)</a:t>
+            </a:r>
+            <a:endParaRPr lang="ko-KR" altLang="en-US" dirty="0"/>
+          </a:p>
+        </p:txBody>
+      </p:sp>
+      <p:sp>
+        <p:nvSpPr>
+          <p:cNvPr id="100" name="AutoShape 20" descr="REPEAT iconì ëí ì´ë¯¸ì§ ê²ìê²°ê³¼"/>
+          <p:cNvSpPr>
+            <a:spLocks noChangeAspect="1" noChangeArrowheads="1"/>
+          </p:cNvSpPr>
+          <p:nvPr/>
+        </p:nvSpPr>
+        <p:spPr bwMode="auto">
+          <a:xfrm flipV="1">
+            <a:off x="-3036014" y="1698625"/>
+            <a:ext cx="45719" cy="45719"/>
+          </a:xfrm>
+          <a:prstGeom prst="rect">
+            <a:avLst/>
+          </a:prstGeom>
+          <a:noFill/>
+          <a:extLst>
+            <a:ext uri="{909E8E84-426E-40DD-AFC4-6F175D3DCCD1}">
+              <a14:hiddenFill xmlns:a14="http://schemas.microsoft.com/office/drawing/2010/main">
+                <a:solidFill>
+                  <a:srgbClr val="FFFFFF"/>
+                </a:solidFill>
+              </a14:hiddenFill>
+            </a:ext>
+          </a:extLst>
+        </p:spPr>
+        <p:txBody>
+          <a:bodyPr vert="horz" wrap="square" lIns="91440" tIns="45720" rIns="91440" bIns="45720" numCol="1" anchor="t" anchorCtr="0" compatLnSpc="1">
+            <a:prstTxWarp prst="textNoShape">
+              <a:avLst/>
+            </a:prstTxWarp>
+          </a:bodyPr>
+          <a:lstStyle/>
+          <a:p>
+            <a:endParaRPr lang="ko-KR" altLang="en-US">
+              <a:solidFill>
+                <a:prstClr val="black"/>
+              </a:solidFill>
+            </a:endParaRPr>
+          </a:p>
+        </p:txBody>
+      </p:sp>
+      <p:pic>
+        <p:nvPicPr>
+          <p:cNvPr id="4" name="그림 3"/>
+          <p:cNvPicPr>
+            <a:picLocks noChangeAspect="1"/>
+          </p:cNvPicPr>
+          <p:nvPr/>
+        </p:nvPicPr>
+        <p:blipFill rotWithShape="1">
+          <a:blip r:embed="rId2">
+            <a:extLst>
+              <a:ext uri="{28A0092B-C50C-407E-A947-70E740481C1C}">
+                <a14:useLocalDpi xmlns:a14="http://schemas.microsoft.com/office/drawing/2010/main" val="0"/>
+              </a:ext>
+            </a:extLst>
+          </a:blip>
+          <a:srcRect l="13902" r="19810"/>
+          <a:stretch/>
+        </p:blipFill>
+        <p:spPr>
+          <a:xfrm>
+            <a:off x="3124199" y="1524000"/>
+            <a:ext cx="3668487" cy="5334000"/>
+          </a:xfrm>
+          <a:prstGeom prst="rect">
+            <a:avLst/>
+          </a:prstGeom>
+          <a:ln>
+            <a:solidFill>
+              <a:schemeClr val="tx1"/>
+            </a:solidFill>
+          </a:ln>
+        </p:spPr>
+      </p:pic>
+    </p:spTree>
+    <p:extLst>
+      <p:ext uri="{BB962C8B-B14F-4D97-AF65-F5344CB8AC3E}">
+        <p14:creationId xmlns:p14="http://schemas.microsoft.com/office/powerpoint/2010/main" val="1631975584"/>
+      </p:ext>
+    </p:extLst>
+  </p:cSld>
+  <p:clrMapOvr>
+    <a:masterClrMapping/>
+  </p:clrMapOvr>
+  <p:timing>
+    <p:tnLst>
+      <p:par>
+        <p:cTn id="1" dur="indefinite" restart="never" nodeType="tmRoot"/>
+      </p:par>
+    </p:tnLst>
+  </p:timing>
+</p:sld>
+</file>
+
+<file path=ppt/slides/slide18.xml><?xml version="1.0" encoding="utf-8"?>
+<p:sld xmlns:a="http://schemas.openxmlformats.org/drawingml/2006/main" xmlns:r="http://schemas.openxmlformats.org/officeDocument/2006/relationships" xmlns:p="http://schemas.openxmlformats.org/presentationml/2006/main">
+  <p:cSld>
+    <p:spTree>
+      <p:nvGrpSpPr>
+        <p:cNvPr id="1" name=""/>
+        <p:cNvGrpSpPr/>
+        <p:nvPr/>
+      </p:nvGrpSpPr>
+      <p:grpSpPr>
+        <a:xfrm>
+          <a:off x="0" y="0"/>
+          <a:ext cx="0" cy="0"/>
+          <a:chOff x="0" y="0"/>
+          <a:chExt cx="0" cy="0"/>
+        </a:xfrm>
+      </p:grpSpPr>
+      <p:sp>
+        <p:nvSpPr>
+          <p:cNvPr id="3" name="제목 2"/>
+          <p:cNvSpPr>
+            <a:spLocks noGrp="1"/>
+          </p:cNvSpPr>
+          <p:nvPr>
+            <p:ph type="title"/>
+          </p:nvPr>
+        </p:nvSpPr>
+        <p:spPr/>
+        <p:txBody>
+          <a:bodyPr/>
+          <a:lstStyle/>
+          <a:p>
+            <a:r>
+              <a:rPr lang="en-US" altLang="ko-KR" dirty="0" err="1" smtClean="0"/>
+              <a:t>Oozie</a:t>
+            </a:r>
+            <a:r>
+              <a:rPr lang="en-US" altLang="ko-KR" dirty="0" smtClean="0"/>
+              <a:t> </a:t>
+            </a:r>
+            <a:r>
+              <a:rPr lang="ko-KR" altLang="en-US" dirty="0" smtClean="0"/>
+              <a:t>실시간 </a:t>
+            </a:r>
+            <a:r>
+              <a:rPr lang="en-US" altLang="ko-KR" dirty="0" smtClean="0"/>
+              <a:t>Job </a:t>
+            </a:r>
+            <a:r>
+              <a:rPr lang="ko-KR" altLang="en-US" dirty="0" smtClean="0"/>
+              <a:t>수행 결과</a:t>
+            </a:r>
+            <a:r>
+              <a:rPr lang="en-US" altLang="ko-KR" dirty="0" smtClean="0"/>
+              <a:t>(</a:t>
+            </a:r>
+            <a:r>
+              <a:rPr lang="ko-KR" altLang="en-US" dirty="0" smtClean="0"/>
+              <a:t>테스트</a:t>
+            </a:r>
+            <a:r>
+              <a:rPr lang="en-US" altLang="ko-KR" dirty="0" smtClean="0"/>
+              <a:t>) – </a:t>
+            </a:r>
+            <a:r>
+              <a:rPr lang="ko-KR" altLang="en-US" dirty="0" smtClean="0"/>
+              <a:t>정상 종료</a:t>
+            </a:r>
+            <a:endParaRPr lang="ko-KR" altLang="en-US" dirty="0"/>
+          </a:p>
+        </p:txBody>
+      </p:sp>
+      <p:sp>
+        <p:nvSpPr>
+          <p:cNvPr id="100" name="AutoShape 20" descr="REPEAT iconì ëí ì´ë¯¸ì§ ê²ìê²°ê³¼"/>
+          <p:cNvSpPr>
+            <a:spLocks noChangeAspect="1" noChangeArrowheads="1"/>
+          </p:cNvSpPr>
+          <p:nvPr/>
+        </p:nvSpPr>
+        <p:spPr bwMode="auto">
+          <a:xfrm flipV="1">
+            <a:off x="-3036014" y="1698625"/>
+            <a:ext cx="45719" cy="45719"/>
+          </a:xfrm>
+          <a:prstGeom prst="rect">
+            <a:avLst/>
+          </a:prstGeom>
+          <a:noFill/>
+          <a:extLst>
+            <a:ext uri="{909E8E84-426E-40DD-AFC4-6F175D3DCCD1}">
+              <a14:hiddenFill xmlns:a14="http://schemas.microsoft.com/office/drawing/2010/main">
+                <a:solidFill>
+                  <a:srgbClr val="FFFFFF"/>
+                </a:solidFill>
+              </a14:hiddenFill>
+            </a:ext>
+          </a:extLst>
+        </p:spPr>
+        <p:txBody>
+          <a:bodyPr vert="horz" wrap="square" lIns="91440" tIns="45720" rIns="91440" bIns="45720" numCol="1" anchor="t" anchorCtr="0" compatLnSpc="1">
+            <a:prstTxWarp prst="textNoShape">
+              <a:avLst/>
+            </a:prstTxWarp>
+          </a:bodyPr>
+          <a:lstStyle/>
+          <a:p>
+            <a:endParaRPr lang="ko-KR" altLang="en-US">
+              <a:solidFill>
+                <a:prstClr val="black"/>
+              </a:solidFill>
+            </a:endParaRPr>
+          </a:p>
+        </p:txBody>
+      </p:sp>
+      <p:pic>
+        <p:nvPicPr>
+          <p:cNvPr id="4" name="그림 3"/>
+          <p:cNvPicPr>
+            <a:picLocks noChangeAspect="1"/>
+          </p:cNvPicPr>
+          <p:nvPr/>
+        </p:nvPicPr>
+        <p:blipFill>
+          <a:blip r:embed="rId2">
+            <a:extLst>
+              <a:ext uri="{28A0092B-C50C-407E-A947-70E740481C1C}">
+                <a14:useLocalDpi xmlns:a14="http://schemas.microsoft.com/office/drawing/2010/main" val="0"/>
+              </a:ext>
+            </a:extLst>
+          </a:blip>
+          <a:stretch>
+            <a:fillRect/>
+          </a:stretch>
+        </p:blipFill>
+        <p:spPr>
+          <a:xfrm>
+            <a:off x="838200" y="1524000"/>
+            <a:ext cx="8153400" cy="5334000"/>
+          </a:xfrm>
+          <a:prstGeom prst="rect">
+            <a:avLst/>
+          </a:prstGeom>
+        </p:spPr>
+      </p:pic>
+    </p:spTree>
+    <p:extLst>
+      <p:ext uri="{BB962C8B-B14F-4D97-AF65-F5344CB8AC3E}">
+        <p14:creationId xmlns:p14="http://schemas.microsoft.com/office/powerpoint/2010/main" val="1631975584"/>
+      </p:ext>
+    </p:extLst>
+  </p:cSld>
+  <p:clrMapOvr>
+    <a:masterClrMapping/>
+  </p:clrMapOvr>
+  <p:timing>
+    <p:tnLst>
+      <p:par>
+        <p:cTn id="1" dur="indefinite" restart="never" nodeType="tmRoot"/>
+      </p:par>
+    </p:tnLst>
+  </p:timing>
+</p:sld>
+</file>
+
+<file path=ppt/slides/slide19.xml><?xml version="1.0" encoding="utf-8"?>
+<p:sld xmlns:a="http://schemas.openxmlformats.org/drawingml/2006/main" xmlns:r="http://schemas.openxmlformats.org/officeDocument/2006/relationships" xmlns:p="http://schemas.openxmlformats.org/presentationml/2006/main">
+  <p:cSld>
+    <p:spTree>
+      <p:nvGrpSpPr>
+        <p:cNvPr id="1" name=""/>
+        <p:cNvGrpSpPr/>
+        <p:nvPr/>
+      </p:nvGrpSpPr>
+      <p:grpSpPr>
+        <a:xfrm>
+          <a:off x="0" y="0"/>
+          <a:ext cx="0" cy="0"/>
+          <a:chOff x="0" y="0"/>
+          <a:chExt cx="0" cy="0"/>
+        </a:xfrm>
+      </p:grpSpPr>
+      <p:sp>
+        <p:nvSpPr>
+          <p:cNvPr id="3" name="제목 2"/>
+          <p:cNvSpPr>
+            <a:spLocks noGrp="1"/>
+          </p:cNvSpPr>
+          <p:nvPr>
+            <p:ph type="title"/>
+          </p:nvPr>
+        </p:nvSpPr>
+        <p:spPr/>
+        <p:txBody>
+          <a:bodyPr/>
+          <a:lstStyle/>
+          <a:p>
+            <a:r>
+              <a:rPr lang="en-US" altLang="ko-KR" dirty="0" err="1" smtClean="0"/>
+              <a:t>Oozie</a:t>
+            </a:r>
+            <a:r>
+              <a:rPr lang="en-US" altLang="ko-KR" dirty="0" smtClean="0"/>
+              <a:t> </a:t>
+            </a:r>
+            <a:r>
+              <a:rPr lang="ko-KR" altLang="en-US" dirty="0" smtClean="0"/>
+              <a:t>실시간 </a:t>
+            </a:r>
+            <a:r>
+              <a:rPr lang="en-US" altLang="ko-KR" dirty="0" smtClean="0"/>
+              <a:t>Job </a:t>
+            </a:r>
+            <a:r>
+              <a:rPr lang="ko-KR" altLang="en-US" dirty="0" smtClean="0"/>
+              <a:t>수행 결과</a:t>
+            </a:r>
+            <a:r>
+              <a:rPr lang="en-US" altLang="ko-KR" dirty="0" smtClean="0"/>
+              <a:t>(</a:t>
+            </a:r>
+            <a:r>
+              <a:rPr lang="ko-KR" altLang="en-US" dirty="0" smtClean="0"/>
+              <a:t>테스트</a:t>
+            </a:r>
+            <a:r>
+              <a:rPr lang="en-US" altLang="ko-KR" dirty="0" smtClean="0"/>
+              <a:t>) – </a:t>
+            </a:r>
+            <a:r>
+              <a:rPr lang="ko-KR" altLang="en-US" dirty="0" smtClean="0"/>
+              <a:t>정상 종료</a:t>
+            </a:r>
+            <a:endParaRPr lang="ko-KR" altLang="en-US" dirty="0"/>
+          </a:p>
+        </p:txBody>
+      </p:sp>
+      <p:sp>
+        <p:nvSpPr>
+          <p:cNvPr id="100" name="AutoShape 20" descr="REPEAT iconì ëí ì´ë¯¸ì§ ê²ìê²°ê³¼"/>
+          <p:cNvSpPr>
+            <a:spLocks noChangeAspect="1" noChangeArrowheads="1"/>
+          </p:cNvSpPr>
+          <p:nvPr/>
+        </p:nvSpPr>
+        <p:spPr bwMode="auto">
+          <a:xfrm flipV="1">
+            <a:off x="-3036014" y="1698625"/>
+            <a:ext cx="45719" cy="45719"/>
+          </a:xfrm>
+          <a:prstGeom prst="rect">
+            <a:avLst/>
+          </a:prstGeom>
+          <a:noFill/>
+          <a:extLst>
+            <a:ext uri="{909E8E84-426E-40DD-AFC4-6F175D3DCCD1}">
+              <a14:hiddenFill xmlns:a14="http://schemas.microsoft.com/office/drawing/2010/main">
+                <a:solidFill>
+                  <a:srgbClr val="FFFFFF"/>
+                </a:solidFill>
+              </a14:hiddenFill>
+            </a:ext>
+          </a:extLst>
+        </p:spPr>
+        <p:txBody>
+          <a:bodyPr vert="horz" wrap="square" lIns="91440" tIns="45720" rIns="91440" bIns="45720" numCol="1" anchor="t" anchorCtr="0" compatLnSpc="1">
+            <a:prstTxWarp prst="textNoShape">
+              <a:avLst/>
+            </a:prstTxWarp>
+          </a:bodyPr>
+          <a:lstStyle/>
+          <a:p>
+            <a:endParaRPr lang="ko-KR" altLang="en-US">
+              <a:solidFill>
+                <a:prstClr val="black"/>
+              </a:solidFill>
+            </a:endParaRPr>
+          </a:p>
+        </p:txBody>
+      </p:sp>
+      <p:pic>
+        <p:nvPicPr>
+          <p:cNvPr id="2" name="그림 1"/>
+          <p:cNvPicPr>
+            <a:picLocks noChangeAspect="1"/>
+          </p:cNvPicPr>
+          <p:nvPr/>
+        </p:nvPicPr>
+        <p:blipFill rotWithShape="1">
+          <a:blip r:embed="rId2">
+            <a:extLst>
+              <a:ext uri="{28A0092B-C50C-407E-A947-70E740481C1C}">
+                <a14:useLocalDpi xmlns:a14="http://schemas.microsoft.com/office/drawing/2010/main" val="0"/>
+              </a:ext>
+            </a:extLst>
+          </a:blip>
+          <a:srcRect r="42140"/>
+          <a:stretch/>
+        </p:blipFill>
+        <p:spPr>
+          <a:xfrm>
+            <a:off x="3581400" y="1524000"/>
+            <a:ext cx="2819400" cy="5257800"/>
+          </a:xfrm>
+          <a:prstGeom prst="rect">
+            <a:avLst/>
+          </a:prstGeom>
+          <a:ln>
+            <a:solidFill>
+              <a:schemeClr val="tx1"/>
+            </a:solidFill>
+          </a:ln>
+        </p:spPr>
+      </p:pic>
+    </p:spTree>
+    <p:extLst>
+      <p:ext uri="{BB962C8B-B14F-4D97-AF65-F5344CB8AC3E}">
+        <p14:creationId xmlns:p14="http://schemas.microsoft.com/office/powerpoint/2010/main" val="2524751972"/>
+      </p:ext>
+    </p:extLst>
+  </p:cSld>
+  <p:clrMapOvr>
+    <a:masterClrMapping/>
+  </p:clrMapOvr>
+  <p:timing>
+    <p:tnLst>
+      <p:par>
+        <p:cTn id="1" dur="indefinite" restart="never" nodeType="tmRoot"/>
+      </p:par>
+    </p:tnLst>
+  </p:timing>
+</p:sld>
+</file>
+
 <file path=ppt/slides/slide2.xml><?xml version="1.0" encoding="utf-8"?>
 <p:sld xmlns:a="http://schemas.openxmlformats.org/drawingml/2006/main" xmlns:r="http://schemas.openxmlformats.org/officeDocument/2006/relationships" xmlns:p="http://schemas.openxmlformats.org/presentationml/2006/main">
   <p:cSld>
@@ -3790,21 +5264,21 @@
                 <a:gridCol w="594946">
                   <a:extLst>
                     <a:ext uri="{9D8B030D-6E8A-4147-A177-3AD203B41FA5}">
-                      <a16:colId xmlns:a16="http://schemas.microsoft.com/office/drawing/2014/main" val="3070361579"/>
+                      <a16:colId xmlns:a16="http://schemas.microsoft.com/office/drawing/2014/main" xmlns="" val="3070361579"/>
                     </a:ext>
                   </a:extLst>
                 </a:gridCol>
                 <a:gridCol w="934915">
                   <a:extLst>
                     <a:ext uri="{9D8B030D-6E8A-4147-A177-3AD203B41FA5}">
-                      <a16:colId xmlns:a16="http://schemas.microsoft.com/office/drawing/2014/main" val="2135770378"/>
+                      <a16:colId xmlns:a16="http://schemas.microsoft.com/office/drawing/2014/main" xmlns="" val="2135770378"/>
                     </a:ext>
                   </a:extLst>
                 </a:gridCol>
                 <a:gridCol w="7309338">
                   <a:extLst>
                     <a:ext uri="{9D8B030D-6E8A-4147-A177-3AD203B41FA5}">
-                      <a16:colId xmlns:a16="http://schemas.microsoft.com/office/drawing/2014/main" val="1891257885"/>
+                      <a16:colId xmlns:a16="http://schemas.microsoft.com/office/drawing/2014/main" xmlns="" val="1891257885"/>
                     </a:ext>
                   </a:extLst>
                 </a:gridCol>
@@ -3968,7 +5442,7 @@
                 </a:tc>
                 <a:extLst>
                   <a:ext uri="{0D108BD9-81ED-4DB2-BD59-A6C34878D82A}">
-                    <a16:rowId xmlns:a16="http://schemas.microsoft.com/office/drawing/2014/main" val="3284227695"/>
+                    <a16:rowId xmlns:a16="http://schemas.microsoft.com/office/drawing/2014/main" xmlns="" val="3284227695"/>
                   </a:ext>
                 </a:extLst>
               </a:tr>
@@ -4212,7 +5686,7 @@
                 </a:tc>
                 <a:extLst>
                   <a:ext uri="{0D108BD9-81ED-4DB2-BD59-A6C34878D82A}">
-                    <a16:rowId xmlns:a16="http://schemas.microsoft.com/office/drawing/2014/main" val="3886786603"/>
+                    <a16:rowId xmlns:a16="http://schemas.microsoft.com/office/drawing/2014/main" xmlns="" val="3886786603"/>
                   </a:ext>
                 </a:extLst>
               </a:tr>
@@ -4423,7 +5897,7 @@
                 </a:tc>
                 <a:extLst>
                   <a:ext uri="{0D108BD9-81ED-4DB2-BD59-A6C34878D82A}">
-                    <a16:rowId xmlns:a16="http://schemas.microsoft.com/office/drawing/2014/main" val="2012833175"/>
+                    <a16:rowId xmlns:a16="http://schemas.microsoft.com/office/drawing/2014/main" xmlns="" val="2012833175"/>
                   </a:ext>
                 </a:extLst>
               </a:tr>
@@ -4680,7 +6154,7 @@
                 </a:tc>
                 <a:extLst>
                   <a:ext uri="{0D108BD9-81ED-4DB2-BD59-A6C34878D82A}">
-                    <a16:rowId xmlns:a16="http://schemas.microsoft.com/office/drawing/2014/main" val="279712677"/>
+                    <a16:rowId xmlns:a16="http://schemas.microsoft.com/office/drawing/2014/main" xmlns="" val="279712677"/>
                   </a:ext>
                 </a:extLst>
               </a:tr>
@@ -4888,7 +6362,7 @@
                 </a:tc>
                 <a:extLst>
                   <a:ext uri="{0D108BD9-81ED-4DB2-BD59-A6C34878D82A}">
-                    <a16:rowId xmlns:a16="http://schemas.microsoft.com/office/drawing/2014/main" val="1839450903"/>
+                    <a16:rowId xmlns:a16="http://schemas.microsoft.com/office/drawing/2014/main" xmlns="" val="1839450903"/>
                   </a:ext>
                 </a:extLst>
               </a:tr>
@@ -5063,7 +6537,7 @@
                 </a:tc>
                 <a:extLst>
                   <a:ext uri="{0D108BD9-81ED-4DB2-BD59-A6C34878D82A}">
-                    <a16:rowId xmlns:a16="http://schemas.microsoft.com/office/drawing/2014/main" val="172147600"/>
+                    <a16:rowId xmlns:a16="http://schemas.microsoft.com/office/drawing/2014/main" xmlns="" val="172147600"/>
                   </a:ext>
                 </a:extLst>
               </a:tr>
@@ -5238,7 +6712,7 @@
                 </a:tc>
                 <a:extLst>
                   <a:ext uri="{0D108BD9-81ED-4DB2-BD59-A6C34878D82A}">
-                    <a16:rowId xmlns:a16="http://schemas.microsoft.com/office/drawing/2014/main" val="1873070128"/>
+                    <a16:rowId xmlns:a16="http://schemas.microsoft.com/office/drawing/2014/main" xmlns="" val="1873070128"/>
                   </a:ext>
                 </a:extLst>
               </a:tr>
@@ -5384,7 +6858,7 @@
           <p:cNvPr id="16" name="TextBox 15">
             <a:extLst>
               <a:ext uri="{FF2B5EF4-FFF2-40B4-BE49-F238E27FC236}">
-                <a16:creationId xmlns:a16="http://schemas.microsoft.com/office/drawing/2014/main" id="{A047A0DF-78CF-4969-A4D0-569708A6CF50}"/>
+                <a16:creationId xmlns:a16="http://schemas.microsoft.com/office/drawing/2014/main" xmlns="" id="{A047A0DF-78CF-4969-A4D0-569708A6CF50}"/>
               </a:ext>
             </a:extLst>
           </p:cNvPr>
@@ -5425,7 +6899,7 @@
           <p:cNvPr id="26" name="그림 25">
             <a:extLst>
               <a:ext uri="{FF2B5EF4-FFF2-40B4-BE49-F238E27FC236}">
-                <a16:creationId xmlns:a16="http://schemas.microsoft.com/office/drawing/2014/main" id="{201AC5E7-3170-405E-B62D-CC1AFF8193E9}"/>
+                <a16:creationId xmlns:a16="http://schemas.microsoft.com/office/drawing/2014/main" xmlns="" id="{201AC5E7-3170-405E-B62D-CC1AFF8193E9}"/>
               </a:ext>
             </a:extLst>
           </p:cNvPr>
@@ -5441,7 +6915,7 @@
                 <a14:useLocalDpi xmlns:a14="http://schemas.microsoft.com/office/drawing/2010/main" val="0"/>
               </a:ext>
               <a:ext uri="{837473B0-CC2E-450A-ABE3-18F120FF3D39}">
-                <a1611:picAttrSrcUrl xmlns="" xmlns:a1611="http://schemas.microsoft.com/office/drawing/2016/11/main" r:id="rId7"/>
+                <a1611:picAttrSrcUrl xmlns:a1611="http://schemas.microsoft.com/office/drawing/2016/11/main" xmlns="" r:id="rId7"/>
               </a:ext>
             </a:extLst>
           </a:blip>
@@ -5464,7 +6938,7 @@
           <p:cNvPr id="28" name="TextBox 27">
             <a:extLst>
               <a:ext uri="{FF2B5EF4-FFF2-40B4-BE49-F238E27FC236}">
-                <a16:creationId xmlns:a16="http://schemas.microsoft.com/office/drawing/2014/main" id="{3EE7824D-AB8F-41F4-8130-F8F372D444B4}"/>
+                <a16:creationId xmlns:a16="http://schemas.microsoft.com/office/drawing/2014/main" xmlns="" id="{3EE7824D-AB8F-41F4-8130-F8F372D444B4}"/>
               </a:ext>
             </a:extLst>
           </p:cNvPr>
@@ -5500,7 +6974,7 @@
           <p:cNvPr id="38" name="연결선: 꺾임 81">
             <a:extLst>
               <a:ext uri="{FF2B5EF4-FFF2-40B4-BE49-F238E27FC236}">
-                <a16:creationId xmlns:a16="http://schemas.microsoft.com/office/drawing/2014/main" id="{F53E6C29-3B80-4C05-BB69-9D05C4BFFADE}"/>
+                <a16:creationId xmlns:a16="http://schemas.microsoft.com/office/drawing/2014/main" xmlns="" id="{F53E6C29-3B80-4C05-BB69-9D05C4BFFADE}"/>
               </a:ext>
             </a:extLst>
           </p:cNvPr>
@@ -5545,7 +7019,7 @@
           <p:cNvPr id="39" name="TextBox 38">
             <a:extLst>
               <a:ext uri="{FF2B5EF4-FFF2-40B4-BE49-F238E27FC236}">
-                <a16:creationId xmlns:a16="http://schemas.microsoft.com/office/drawing/2014/main" id="{A173E549-6E4C-4448-8791-EB7A25BB4AA1}"/>
+                <a16:creationId xmlns:a16="http://schemas.microsoft.com/office/drawing/2014/main" xmlns="" id="{A173E549-6E4C-4448-8791-EB7A25BB4AA1}"/>
               </a:ext>
             </a:extLst>
           </p:cNvPr>
@@ -5582,7 +7056,7 @@
           <p:cNvPr id="40" name="TextBox 39">
             <a:extLst>
               <a:ext uri="{FF2B5EF4-FFF2-40B4-BE49-F238E27FC236}">
-                <a16:creationId xmlns:a16="http://schemas.microsoft.com/office/drawing/2014/main" id="{EA9483ED-FF06-4563-B3C9-684173B828A5}"/>
+                <a16:creationId xmlns:a16="http://schemas.microsoft.com/office/drawing/2014/main" xmlns="" id="{EA9483ED-FF06-4563-B3C9-684173B828A5}"/>
               </a:ext>
             </a:extLst>
           </p:cNvPr>
@@ -5618,7 +7092,7 @@
           <p:cNvPr id="45" name="직선 화살표 연결선 44">
             <a:extLst>
               <a:ext uri="{FF2B5EF4-FFF2-40B4-BE49-F238E27FC236}">
-                <a16:creationId xmlns:a16="http://schemas.microsoft.com/office/drawing/2014/main" id="{5EFFCFF0-48D3-4ECF-9ECF-F6CD785DA6F9}"/>
+                <a16:creationId xmlns:a16="http://schemas.microsoft.com/office/drawing/2014/main" xmlns="" id="{5EFFCFF0-48D3-4ECF-9ECF-F6CD785DA6F9}"/>
               </a:ext>
             </a:extLst>
           </p:cNvPr>
@@ -5661,7 +7135,7 @@
           <p:cNvPr id="46" name="직선 화살표 연결선 45">
             <a:extLst>
               <a:ext uri="{FF2B5EF4-FFF2-40B4-BE49-F238E27FC236}">
-                <a16:creationId xmlns:a16="http://schemas.microsoft.com/office/drawing/2014/main" id="{581CD6EE-7DDB-4FCB-ACB0-5DA53DE5712E}"/>
+                <a16:creationId xmlns:a16="http://schemas.microsoft.com/office/drawing/2014/main" xmlns="" id="{581CD6EE-7DDB-4FCB-ACB0-5DA53DE5712E}"/>
               </a:ext>
             </a:extLst>
           </p:cNvPr>
@@ -5704,7 +7178,7 @@
           <p:cNvPr id="47" name="직선 화살표 연결선 46">
             <a:extLst>
               <a:ext uri="{FF2B5EF4-FFF2-40B4-BE49-F238E27FC236}">
-                <a16:creationId xmlns:a16="http://schemas.microsoft.com/office/drawing/2014/main" id="{4E2DFBCC-A772-42D8-A05C-35678AFA7D9B}"/>
+                <a16:creationId xmlns:a16="http://schemas.microsoft.com/office/drawing/2014/main" xmlns="" id="{4E2DFBCC-A772-42D8-A05C-35678AFA7D9B}"/>
               </a:ext>
             </a:extLst>
           </p:cNvPr>
@@ -5747,7 +7221,7 @@
           <p:cNvPr id="48" name="직선 화살표 연결선 47">
             <a:extLst>
               <a:ext uri="{FF2B5EF4-FFF2-40B4-BE49-F238E27FC236}">
-                <a16:creationId xmlns:a16="http://schemas.microsoft.com/office/drawing/2014/main" id="{743E3986-CFD8-4E05-9C4F-42682945E1BE}"/>
+                <a16:creationId xmlns:a16="http://schemas.microsoft.com/office/drawing/2014/main" xmlns="" id="{743E3986-CFD8-4E05-9C4F-42682945E1BE}"/>
               </a:ext>
             </a:extLst>
           </p:cNvPr>
@@ -5790,7 +7264,7 @@
           <p:cNvPr id="49" name="직선 화살표 연결선 48">
             <a:extLst>
               <a:ext uri="{FF2B5EF4-FFF2-40B4-BE49-F238E27FC236}">
-                <a16:creationId xmlns:a16="http://schemas.microsoft.com/office/drawing/2014/main" id="{A7D5B327-3BF9-4E76-B9C8-2D76393D7410}"/>
+                <a16:creationId xmlns:a16="http://schemas.microsoft.com/office/drawing/2014/main" xmlns="" id="{A7D5B327-3BF9-4E76-B9C8-2D76393D7410}"/>
               </a:ext>
             </a:extLst>
           </p:cNvPr>
@@ -5833,7 +7307,7 @@
           <p:cNvPr id="52" name="TextBox 51">
             <a:extLst>
               <a:ext uri="{FF2B5EF4-FFF2-40B4-BE49-F238E27FC236}">
-                <a16:creationId xmlns:a16="http://schemas.microsoft.com/office/drawing/2014/main" id="{30BDF827-6277-44CA-BF45-32F20C6B3BFC}"/>
+                <a16:creationId xmlns:a16="http://schemas.microsoft.com/office/drawing/2014/main" xmlns="" id="{30BDF827-6277-44CA-BF45-32F20C6B3BFC}"/>
               </a:ext>
             </a:extLst>
           </p:cNvPr>
@@ -5896,7 +7370,7 @@
             <p:cNvPr id="15" name="TextBox 14">
               <a:extLst>
                 <a:ext uri="{FF2B5EF4-FFF2-40B4-BE49-F238E27FC236}">
-                  <a16:creationId xmlns:a16="http://schemas.microsoft.com/office/drawing/2014/main" id="{57B8B9CC-B285-42FE-95C4-C519EA443EFA}"/>
+                  <a16:creationId xmlns:a16="http://schemas.microsoft.com/office/drawing/2014/main" xmlns="" id="{57B8B9CC-B285-42FE-95C4-C519EA443EFA}"/>
                 </a:ext>
               </a:extLst>
             </p:cNvPr>
@@ -5987,7 +7461,7 @@
           <p:cNvPr id="73" name="TextBox 72">
             <a:extLst>
               <a:ext uri="{FF2B5EF4-FFF2-40B4-BE49-F238E27FC236}">
-                <a16:creationId xmlns:a16="http://schemas.microsoft.com/office/drawing/2014/main" id="{5A3CCDD7-5EDE-4221-A98E-D2C3259DB5E4}"/>
+                <a16:creationId xmlns:a16="http://schemas.microsoft.com/office/drawing/2014/main" xmlns="" id="{5A3CCDD7-5EDE-4221-A98E-D2C3259DB5E4}"/>
               </a:ext>
             </a:extLst>
           </p:cNvPr>
@@ -6066,7 +7540,7 @@
           <p:cNvPr id="88" name="TextBox 87">
             <a:extLst>
               <a:ext uri="{FF2B5EF4-FFF2-40B4-BE49-F238E27FC236}">
-                <a16:creationId xmlns:a16="http://schemas.microsoft.com/office/drawing/2014/main" id="{30BDF827-6277-44CA-BF45-32F20C6B3BFC}"/>
+                <a16:creationId xmlns:a16="http://schemas.microsoft.com/office/drawing/2014/main" xmlns="" id="{30BDF827-6277-44CA-BF45-32F20C6B3BFC}"/>
               </a:ext>
             </a:extLst>
           </p:cNvPr>
@@ -6160,7 +7634,7 @@
           <p:nvPr/>
         </p:nvPicPr>
         <p:blipFill>
-          <a:blip r:embed="rId9" cstate="print">
+          <a:blip r:embed="rId10" cstate="print">
             <a:extLst>
               <a:ext uri="{28A0092B-C50C-407E-A947-70E740481C1C}">
                 <a14:useLocalDpi xmlns:a14="http://schemas.microsoft.com/office/drawing/2010/main" val="0"/>
@@ -6275,7 +7749,7 @@
           <p:nvPr/>
         </p:nvPicPr>
         <p:blipFill>
-          <a:blip r:embed="rId10" cstate="print">
+          <a:blip r:embed="rId11" cstate="print">
             <a:extLst>
               <a:ext uri="{28A0092B-C50C-407E-A947-70E740481C1C}">
                 <a14:useLocalDpi xmlns:a14="http://schemas.microsoft.com/office/drawing/2010/main" val="0"/>
@@ -6350,7 +7824,7 @@
           <p:cNvPr id="116" name="TextBox 115">
             <a:extLst>
               <a:ext uri="{FF2B5EF4-FFF2-40B4-BE49-F238E27FC236}">
-                <a16:creationId xmlns:a16="http://schemas.microsoft.com/office/drawing/2014/main" id="{30BDF827-6277-44CA-BF45-32F20C6B3BFC}"/>
+                <a16:creationId xmlns:a16="http://schemas.microsoft.com/office/drawing/2014/main" xmlns="" id="{30BDF827-6277-44CA-BF45-32F20C6B3BFC}"/>
               </a:ext>
             </a:extLst>
           </p:cNvPr>
@@ -6387,7 +7861,7 @@
           <p:cNvPr id="120" name="그림 119">
             <a:extLst>
               <a:ext uri="{FF2B5EF4-FFF2-40B4-BE49-F238E27FC236}">
-                <a16:creationId xmlns:a16="http://schemas.microsoft.com/office/drawing/2014/main" id="{1E2FE58D-B191-45C4-81A7-1CC1F9DF5019}"/>
+                <a16:creationId xmlns:a16="http://schemas.microsoft.com/office/drawing/2014/main" xmlns="" id="{1E2FE58D-B191-45C4-81A7-1CC1F9DF5019}"/>
               </a:ext>
             </a:extLst>
           </p:cNvPr>
@@ -6397,13 +7871,13 @@
           <p:nvPr/>
         </p:nvPicPr>
         <p:blipFill>
-          <a:blip r:embed="rId11" cstate="print">
+          <a:blip r:embed="rId12" cstate="print">
             <a:extLst>
               <a:ext uri="{28A0092B-C50C-407E-A947-70E740481C1C}">
                 <a14:useLocalDpi xmlns:a14="http://schemas.microsoft.com/office/drawing/2010/main" val="0"/>
               </a:ext>
               <a:ext uri="{837473B0-CC2E-450A-ABE3-18F120FF3D39}">
-                <a1611:picAttrSrcUrl xmlns="" xmlns:a1611="http://schemas.microsoft.com/office/drawing/2016/11/main" r:id="rId3"/>
+                <a1611:picAttrSrcUrl xmlns:a1611="http://schemas.microsoft.com/office/drawing/2016/11/main" xmlns="" r:id="rId3"/>
               </a:ext>
             </a:extLst>
           </a:blip>
@@ -6426,7 +7900,7 @@
           <p:cNvPr id="121" name="TextBox 120">
             <a:extLst>
               <a:ext uri="{FF2B5EF4-FFF2-40B4-BE49-F238E27FC236}">
-                <a16:creationId xmlns:a16="http://schemas.microsoft.com/office/drawing/2014/main" id="{30BDF827-6277-44CA-BF45-32F20C6B3BFC}"/>
+                <a16:creationId xmlns:a16="http://schemas.microsoft.com/office/drawing/2014/main" xmlns="" id="{30BDF827-6277-44CA-BF45-32F20C6B3BFC}"/>
               </a:ext>
             </a:extLst>
           </p:cNvPr>
@@ -6463,7 +7937,7 @@
           <p:cNvPr id="122" name="TextBox 121">
             <a:extLst>
               <a:ext uri="{FF2B5EF4-FFF2-40B4-BE49-F238E27FC236}">
-                <a16:creationId xmlns:a16="http://schemas.microsoft.com/office/drawing/2014/main" id="{30BDF827-6277-44CA-BF45-32F20C6B3BFC}"/>
+                <a16:creationId xmlns:a16="http://schemas.microsoft.com/office/drawing/2014/main" xmlns="" id="{30BDF827-6277-44CA-BF45-32F20C6B3BFC}"/>
               </a:ext>
             </a:extLst>
           </p:cNvPr>
@@ -6500,7 +7974,7 @@
           <p:cNvPr id="124" name="그림 123">
             <a:extLst>
               <a:ext uri="{FF2B5EF4-FFF2-40B4-BE49-F238E27FC236}">
-                <a16:creationId xmlns:a16="http://schemas.microsoft.com/office/drawing/2014/main" id="{1E2FE58D-B191-45C4-81A7-1CC1F9DF5019}"/>
+                <a16:creationId xmlns:a16="http://schemas.microsoft.com/office/drawing/2014/main" xmlns="" id="{1E2FE58D-B191-45C4-81A7-1CC1F9DF5019}"/>
               </a:ext>
             </a:extLst>
           </p:cNvPr>
@@ -6510,13 +7984,13 @@
           <p:nvPr/>
         </p:nvPicPr>
         <p:blipFill>
-          <a:blip r:embed="rId11" cstate="print">
+          <a:blip r:embed="rId12" cstate="print">
             <a:extLst>
               <a:ext uri="{28A0092B-C50C-407E-A947-70E740481C1C}">
                 <a14:useLocalDpi xmlns:a14="http://schemas.microsoft.com/office/drawing/2010/main" val="0"/>
               </a:ext>
               <a:ext uri="{837473B0-CC2E-450A-ABE3-18F120FF3D39}">
-                <a1611:picAttrSrcUrl xmlns="" xmlns:a1611="http://schemas.microsoft.com/office/drawing/2016/11/main" r:id="rId3"/>
+                <a1611:picAttrSrcUrl xmlns:a1611="http://schemas.microsoft.com/office/drawing/2016/11/main" xmlns="" r:id="rId3"/>
               </a:ext>
             </a:extLst>
           </a:blip>
@@ -6539,7 +8013,7 @@
           <p:cNvPr id="125" name="TextBox 124">
             <a:extLst>
               <a:ext uri="{FF2B5EF4-FFF2-40B4-BE49-F238E27FC236}">
-                <a16:creationId xmlns:a16="http://schemas.microsoft.com/office/drawing/2014/main" id="{30BDF827-6277-44CA-BF45-32F20C6B3BFC}"/>
+                <a16:creationId xmlns:a16="http://schemas.microsoft.com/office/drawing/2014/main" xmlns="" id="{30BDF827-6277-44CA-BF45-32F20C6B3BFC}"/>
               </a:ext>
             </a:extLst>
           </p:cNvPr>
@@ -6580,7 +8054,7 @@
           <p:cNvPr id="126" name="TextBox 125">
             <a:extLst>
               <a:ext uri="{FF2B5EF4-FFF2-40B4-BE49-F238E27FC236}">
-                <a16:creationId xmlns:a16="http://schemas.microsoft.com/office/drawing/2014/main" id="{30BDF827-6277-44CA-BF45-32F20C6B3BFC}"/>
+                <a16:creationId xmlns:a16="http://schemas.microsoft.com/office/drawing/2014/main" xmlns="" id="{30BDF827-6277-44CA-BF45-32F20C6B3BFC}"/>
               </a:ext>
             </a:extLst>
           </p:cNvPr>
@@ -6625,7 +8099,7 @@
           <p:cNvPr id="128" name="TextBox 127">
             <a:extLst>
               <a:ext uri="{FF2B5EF4-FFF2-40B4-BE49-F238E27FC236}">
-                <a16:creationId xmlns:a16="http://schemas.microsoft.com/office/drawing/2014/main" id="{30BDF827-6277-44CA-BF45-32F20C6B3BFC}"/>
+                <a16:creationId xmlns:a16="http://schemas.microsoft.com/office/drawing/2014/main" xmlns="" id="{30BDF827-6277-44CA-BF45-32F20C6B3BFC}"/>
               </a:ext>
             </a:extLst>
           </p:cNvPr>
@@ -6662,7 +8136,7 @@
           <p:cNvPr id="129" name="TextBox 128">
             <a:extLst>
               <a:ext uri="{FF2B5EF4-FFF2-40B4-BE49-F238E27FC236}">
-                <a16:creationId xmlns:a16="http://schemas.microsoft.com/office/drawing/2014/main" id="{30BDF827-6277-44CA-BF45-32F20C6B3BFC}"/>
+                <a16:creationId xmlns:a16="http://schemas.microsoft.com/office/drawing/2014/main" xmlns="" id="{30BDF827-6277-44CA-BF45-32F20C6B3BFC}"/>
               </a:ext>
             </a:extLst>
           </p:cNvPr>
@@ -6699,7 +8173,7 @@
           <p:cNvPr id="136" name="그림 135">
             <a:extLst>
               <a:ext uri="{FF2B5EF4-FFF2-40B4-BE49-F238E27FC236}">
-                <a16:creationId xmlns:a16="http://schemas.microsoft.com/office/drawing/2014/main" id="{1E2FE58D-B191-45C4-81A7-1CC1F9DF5019}"/>
+                <a16:creationId xmlns:a16="http://schemas.microsoft.com/office/drawing/2014/main" xmlns="" id="{1E2FE58D-B191-45C4-81A7-1CC1F9DF5019}"/>
               </a:ext>
             </a:extLst>
           </p:cNvPr>
@@ -6709,13 +8183,13 @@
           <p:nvPr/>
         </p:nvPicPr>
         <p:blipFill>
-          <a:blip r:embed="rId11" cstate="print">
+          <a:blip r:embed="rId12" cstate="print">
             <a:extLst>
               <a:ext uri="{28A0092B-C50C-407E-A947-70E740481C1C}">
                 <a14:useLocalDpi xmlns:a14="http://schemas.microsoft.com/office/drawing/2010/main" val="0"/>
               </a:ext>
               <a:ext uri="{837473B0-CC2E-450A-ABE3-18F120FF3D39}">
-                <a1611:picAttrSrcUrl xmlns="" xmlns:a1611="http://schemas.microsoft.com/office/drawing/2016/11/main" r:id="rId3"/>
+                <a1611:picAttrSrcUrl xmlns:a1611="http://schemas.microsoft.com/office/drawing/2016/11/main" xmlns="" r:id="rId3"/>
               </a:ext>
             </a:extLst>
           </a:blip>
@@ -6738,7 +8212,7 @@
           <p:cNvPr id="140" name="그림 139">
             <a:extLst>
               <a:ext uri="{FF2B5EF4-FFF2-40B4-BE49-F238E27FC236}">
-                <a16:creationId xmlns:a16="http://schemas.microsoft.com/office/drawing/2014/main" id="{1E2FE58D-B191-45C4-81A7-1CC1F9DF5019}"/>
+                <a16:creationId xmlns:a16="http://schemas.microsoft.com/office/drawing/2014/main" xmlns="" id="{1E2FE58D-B191-45C4-81A7-1CC1F9DF5019}"/>
               </a:ext>
             </a:extLst>
           </p:cNvPr>
@@ -6748,13 +8222,13 @@
           <p:nvPr/>
         </p:nvPicPr>
         <p:blipFill>
-          <a:blip r:embed="rId11" cstate="print">
+          <a:blip r:embed="rId12" cstate="print">
             <a:extLst>
               <a:ext uri="{28A0092B-C50C-407E-A947-70E740481C1C}">
                 <a14:useLocalDpi xmlns:a14="http://schemas.microsoft.com/office/drawing/2010/main" val="0"/>
               </a:ext>
               <a:ext uri="{837473B0-CC2E-450A-ABE3-18F120FF3D39}">
-                <a1611:picAttrSrcUrl xmlns="" xmlns:a1611="http://schemas.microsoft.com/office/drawing/2016/11/main" r:id="rId3"/>
+                <a1611:picAttrSrcUrl xmlns:a1611="http://schemas.microsoft.com/office/drawing/2016/11/main" xmlns="" r:id="rId3"/>
               </a:ext>
             </a:extLst>
           </a:blip>
@@ -6777,7 +8251,7 @@
           <p:cNvPr id="141" name="TextBox 140">
             <a:extLst>
               <a:ext uri="{FF2B5EF4-FFF2-40B4-BE49-F238E27FC236}">
-                <a16:creationId xmlns:a16="http://schemas.microsoft.com/office/drawing/2014/main" id="{30BDF827-6277-44CA-BF45-32F20C6B3BFC}"/>
+                <a16:creationId xmlns:a16="http://schemas.microsoft.com/office/drawing/2014/main" xmlns="" id="{30BDF827-6277-44CA-BF45-32F20C6B3BFC}"/>
               </a:ext>
             </a:extLst>
           </p:cNvPr>
@@ -6814,7 +8288,7 @@
           <p:cNvPr id="142" name="그림 141">
             <a:extLst>
               <a:ext uri="{FF2B5EF4-FFF2-40B4-BE49-F238E27FC236}">
-                <a16:creationId xmlns:a16="http://schemas.microsoft.com/office/drawing/2014/main" id="{1E2FE58D-B191-45C4-81A7-1CC1F9DF5019}"/>
+                <a16:creationId xmlns:a16="http://schemas.microsoft.com/office/drawing/2014/main" xmlns="" id="{1E2FE58D-B191-45C4-81A7-1CC1F9DF5019}"/>
               </a:ext>
             </a:extLst>
           </p:cNvPr>
@@ -6824,13 +8298,13 @@
           <p:nvPr/>
         </p:nvPicPr>
         <p:blipFill>
-          <a:blip r:embed="rId11" cstate="print">
+          <a:blip r:embed="rId12" cstate="print">
             <a:extLst>
               <a:ext uri="{28A0092B-C50C-407E-A947-70E740481C1C}">
                 <a14:useLocalDpi xmlns:a14="http://schemas.microsoft.com/office/drawing/2010/main" val="0"/>
               </a:ext>
               <a:ext uri="{837473B0-CC2E-450A-ABE3-18F120FF3D39}">
-                <a1611:picAttrSrcUrl xmlns="" xmlns:a1611="http://schemas.microsoft.com/office/drawing/2016/11/main" r:id="rId3"/>
+                <a1611:picAttrSrcUrl xmlns:a1611="http://schemas.microsoft.com/office/drawing/2016/11/main" xmlns="" r:id="rId3"/>
               </a:ext>
             </a:extLst>
           </a:blip>
@@ -6853,7 +8327,7 @@
           <p:cNvPr id="144" name="그림 143">
             <a:extLst>
               <a:ext uri="{FF2B5EF4-FFF2-40B4-BE49-F238E27FC236}">
-                <a16:creationId xmlns:a16="http://schemas.microsoft.com/office/drawing/2014/main" id="{1E2FE58D-B191-45C4-81A7-1CC1F9DF5019}"/>
+                <a16:creationId xmlns:a16="http://schemas.microsoft.com/office/drawing/2014/main" xmlns="" id="{1E2FE58D-B191-45C4-81A7-1CC1F9DF5019}"/>
               </a:ext>
             </a:extLst>
           </p:cNvPr>
@@ -6863,13 +8337,13 @@
           <p:nvPr/>
         </p:nvPicPr>
         <p:blipFill>
-          <a:blip r:embed="rId11" cstate="print">
+          <a:blip r:embed="rId12" cstate="print">
             <a:extLst>
               <a:ext uri="{28A0092B-C50C-407E-A947-70E740481C1C}">
                 <a14:useLocalDpi xmlns:a14="http://schemas.microsoft.com/office/drawing/2010/main" val="0"/>
               </a:ext>
               <a:ext uri="{837473B0-CC2E-450A-ABE3-18F120FF3D39}">
-                <a1611:picAttrSrcUrl xmlns="" xmlns:a1611="http://schemas.microsoft.com/office/drawing/2016/11/main" r:id="rId3"/>
+                <a1611:picAttrSrcUrl xmlns:a1611="http://schemas.microsoft.com/office/drawing/2016/11/main" xmlns="" r:id="rId3"/>
               </a:ext>
             </a:extLst>
           </a:blip>
@@ -6963,7 +8437,7 @@
           <p:cNvPr id="174" name="그림 173">
             <a:extLst>
               <a:ext uri="{FF2B5EF4-FFF2-40B4-BE49-F238E27FC236}">
-                <a16:creationId xmlns:a16="http://schemas.microsoft.com/office/drawing/2014/main" id="{1E2FE58D-B191-45C4-81A7-1CC1F9DF5019}"/>
+                <a16:creationId xmlns:a16="http://schemas.microsoft.com/office/drawing/2014/main" xmlns="" id="{1E2FE58D-B191-45C4-81A7-1CC1F9DF5019}"/>
               </a:ext>
             </a:extLst>
           </p:cNvPr>
@@ -6973,13 +8447,13 @@
           <p:nvPr/>
         </p:nvPicPr>
         <p:blipFill>
-          <a:blip r:embed="rId11" cstate="print">
+          <a:blip r:embed="rId12" cstate="print">
             <a:extLst>
               <a:ext uri="{28A0092B-C50C-407E-A947-70E740481C1C}">
                 <a14:useLocalDpi xmlns:a14="http://schemas.microsoft.com/office/drawing/2010/main" val="0"/>
               </a:ext>
               <a:ext uri="{837473B0-CC2E-450A-ABE3-18F120FF3D39}">
-                <a1611:picAttrSrcUrl xmlns="" xmlns:a1611="http://schemas.microsoft.com/office/drawing/2016/11/main" r:id="rId3"/>
+                <a1611:picAttrSrcUrl xmlns:a1611="http://schemas.microsoft.com/office/drawing/2016/11/main" xmlns="" r:id="rId3"/>
               </a:ext>
             </a:extLst>
           </a:blip>
@@ -7006,7 +8480,7 @@
           <p:nvPr/>
         </p:nvPicPr>
         <p:blipFill>
-          <a:blip r:embed="rId12" cstate="print">
+          <a:blip r:embed="rId13" cstate="print">
             <a:extLst>
               <a:ext uri="{28A0092B-C50C-407E-A947-70E740481C1C}">
                 <a14:useLocalDpi xmlns:a14="http://schemas.microsoft.com/office/drawing/2010/main" val="0"/>
@@ -7047,7 +8521,7 @@
           <p:nvPr/>
         </p:nvPicPr>
         <p:blipFill>
-          <a:blip r:embed="rId12" cstate="print">
+          <a:blip r:embed="rId13" cstate="print">
             <a:extLst>
               <a:ext uri="{28A0092B-C50C-407E-A947-70E740481C1C}">
                 <a14:useLocalDpi xmlns:a14="http://schemas.microsoft.com/office/drawing/2010/main" val="0"/>
@@ -7088,7 +8562,7 @@
           <p:nvPr/>
         </p:nvPicPr>
         <p:blipFill>
-          <a:blip r:embed="rId12" cstate="print">
+          <a:blip r:embed="rId13" cstate="print">
             <a:extLst>
               <a:ext uri="{28A0092B-C50C-407E-A947-70E740481C1C}">
                 <a14:useLocalDpi xmlns:a14="http://schemas.microsoft.com/office/drawing/2010/main" val="0"/>
@@ -7129,7 +8603,7 @@
           <p:nvPr/>
         </p:nvPicPr>
         <p:blipFill>
-          <a:blip r:embed="rId12" cstate="print">
+          <a:blip r:embed="rId13" cstate="print">
             <a:extLst>
               <a:ext uri="{28A0092B-C50C-407E-A947-70E740481C1C}">
                 <a14:useLocalDpi xmlns:a14="http://schemas.microsoft.com/office/drawing/2010/main" val="0"/>
@@ -7272,7 +8746,7 @@
           <p:cNvPr id="190" name="TextBox 189">
             <a:extLst>
               <a:ext uri="{FF2B5EF4-FFF2-40B4-BE49-F238E27FC236}">
-                <a16:creationId xmlns:a16="http://schemas.microsoft.com/office/drawing/2014/main" id="{A173E549-6E4C-4448-8791-EB7A25BB4AA1}"/>
+                <a16:creationId xmlns:a16="http://schemas.microsoft.com/office/drawing/2014/main" xmlns="" id="{A173E549-6E4C-4448-8791-EB7A25BB4AA1}"/>
               </a:ext>
             </a:extLst>
           </p:cNvPr>
@@ -7348,7 +8822,7 @@
           <p:cNvPr id="195" name="TextBox 194">
             <a:extLst>
               <a:ext uri="{FF2B5EF4-FFF2-40B4-BE49-F238E27FC236}">
-                <a16:creationId xmlns:a16="http://schemas.microsoft.com/office/drawing/2014/main" id="{30BDF827-6277-44CA-BF45-32F20C6B3BFC}"/>
+                <a16:creationId xmlns:a16="http://schemas.microsoft.com/office/drawing/2014/main" xmlns="" id="{30BDF827-6277-44CA-BF45-32F20C6B3BFC}"/>
               </a:ext>
             </a:extLst>
           </p:cNvPr>
@@ -7385,7 +8859,7 @@
           <p:cNvPr id="196" name="TextBox 195">
             <a:extLst>
               <a:ext uri="{FF2B5EF4-FFF2-40B4-BE49-F238E27FC236}">
-                <a16:creationId xmlns:a16="http://schemas.microsoft.com/office/drawing/2014/main" id="{A173E549-6E4C-4448-8791-EB7A25BB4AA1}"/>
+                <a16:creationId xmlns:a16="http://schemas.microsoft.com/office/drawing/2014/main" xmlns="" id="{A173E549-6E4C-4448-8791-EB7A25BB4AA1}"/>
               </a:ext>
             </a:extLst>
           </p:cNvPr>
@@ -7613,7 +9087,7 @@
           <p:cNvPr id="16" name="TextBox 15">
             <a:extLst>
               <a:ext uri="{FF2B5EF4-FFF2-40B4-BE49-F238E27FC236}">
-                <a16:creationId xmlns:a16="http://schemas.microsoft.com/office/drawing/2014/main" id="{A047A0DF-78CF-4969-A4D0-569708A6CF50}"/>
+                <a16:creationId xmlns:a16="http://schemas.microsoft.com/office/drawing/2014/main" xmlns="" id="{A047A0DF-78CF-4969-A4D0-569708A6CF50}"/>
               </a:ext>
             </a:extLst>
           </p:cNvPr>
@@ -7654,7 +9128,7 @@
           <p:cNvPr id="26" name="그림 25">
             <a:extLst>
               <a:ext uri="{FF2B5EF4-FFF2-40B4-BE49-F238E27FC236}">
-                <a16:creationId xmlns:a16="http://schemas.microsoft.com/office/drawing/2014/main" id="{201AC5E7-3170-405E-B62D-CC1AFF8193E9}"/>
+                <a16:creationId xmlns:a16="http://schemas.microsoft.com/office/drawing/2014/main" xmlns="" id="{201AC5E7-3170-405E-B62D-CC1AFF8193E9}"/>
               </a:ext>
             </a:extLst>
           </p:cNvPr>
@@ -7670,7 +9144,7 @@
                 <a14:useLocalDpi xmlns:a14="http://schemas.microsoft.com/office/drawing/2010/main" val="0"/>
               </a:ext>
               <a:ext uri="{837473B0-CC2E-450A-ABE3-18F120FF3D39}">
-                <a1611:picAttrSrcUrl xmlns="" xmlns:a1611="http://schemas.microsoft.com/office/drawing/2016/11/main" r:id="rId7"/>
+                <a1611:picAttrSrcUrl xmlns:a1611="http://schemas.microsoft.com/office/drawing/2016/11/main" xmlns="" r:id="rId7"/>
               </a:ext>
             </a:extLst>
           </a:blip>
@@ -7693,7 +9167,7 @@
           <p:cNvPr id="28" name="TextBox 27">
             <a:extLst>
               <a:ext uri="{FF2B5EF4-FFF2-40B4-BE49-F238E27FC236}">
-                <a16:creationId xmlns:a16="http://schemas.microsoft.com/office/drawing/2014/main" id="{3EE7824D-AB8F-41F4-8130-F8F372D444B4}"/>
+                <a16:creationId xmlns:a16="http://schemas.microsoft.com/office/drawing/2014/main" xmlns="" id="{3EE7824D-AB8F-41F4-8130-F8F372D444B4}"/>
               </a:ext>
             </a:extLst>
           </p:cNvPr>
@@ -7729,7 +9203,7 @@
           <p:cNvPr id="38" name="연결선: 꺾임 81">
             <a:extLst>
               <a:ext uri="{FF2B5EF4-FFF2-40B4-BE49-F238E27FC236}">
-                <a16:creationId xmlns:a16="http://schemas.microsoft.com/office/drawing/2014/main" id="{F53E6C29-3B80-4C05-BB69-9D05C4BFFADE}"/>
+                <a16:creationId xmlns:a16="http://schemas.microsoft.com/office/drawing/2014/main" xmlns="" id="{F53E6C29-3B80-4C05-BB69-9D05C4BFFADE}"/>
               </a:ext>
             </a:extLst>
           </p:cNvPr>
@@ -7774,7 +9248,7 @@
           <p:cNvPr id="39" name="TextBox 38">
             <a:extLst>
               <a:ext uri="{FF2B5EF4-FFF2-40B4-BE49-F238E27FC236}">
-                <a16:creationId xmlns:a16="http://schemas.microsoft.com/office/drawing/2014/main" id="{A173E549-6E4C-4448-8791-EB7A25BB4AA1}"/>
+                <a16:creationId xmlns:a16="http://schemas.microsoft.com/office/drawing/2014/main" xmlns="" id="{A173E549-6E4C-4448-8791-EB7A25BB4AA1}"/>
               </a:ext>
             </a:extLst>
           </p:cNvPr>
@@ -7811,7 +9285,7 @@
           <p:cNvPr id="40" name="TextBox 39">
             <a:extLst>
               <a:ext uri="{FF2B5EF4-FFF2-40B4-BE49-F238E27FC236}">
-                <a16:creationId xmlns:a16="http://schemas.microsoft.com/office/drawing/2014/main" id="{EA9483ED-FF06-4563-B3C9-684173B828A5}"/>
+                <a16:creationId xmlns:a16="http://schemas.microsoft.com/office/drawing/2014/main" xmlns="" id="{EA9483ED-FF06-4563-B3C9-684173B828A5}"/>
               </a:ext>
             </a:extLst>
           </p:cNvPr>
@@ -7847,7 +9321,7 @@
           <p:cNvPr id="45" name="직선 화살표 연결선 44">
             <a:extLst>
               <a:ext uri="{FF2B5EF4-FFF2-40B4-BE49-F238E27FC236}">
-                <a16:creationId xmlns:a16="http://schemas.microsoft.com/office/drawing/2014/main" id="{5EFFCFF0-48D3-4ECF-9ECF-F6CD785DA6F9}"/>
+                <a16:creationId xmlns:a16="http://schemas.microsoft.com/office/drawing/2014/main" xmlns="" id="{5EFFCFF0-48D3-4ECF-9ECF-F6CD785DA6F9}"/>
               </a:ext>
             </a:extLst>
           </p:cNvPr>
@@ -7890,7 +9364,7 @@
           <p:cNvPr id="46" name="직선 화살표 연결선 45">
             <a:extLst>
               <a:ext uri="{FF2B5EF4-FFF2-40B4-BE49-F238E27FC236}">
-                <a16:creationId xmlns:a16="http://schemas.microsoft.com/office/drawing/2014/main" id="{581CD6EE-7DDB-4FCB-ACB0-5DA53DE5712E}"/>
+                <a16:creationId xmlns:a16="http://schemas.microsoft.com/office/drawing/2014/main" xmlns="" id="{581CD6EE-7DDB-4FCB-ACB0-5DA53DE5712E}"/>
               </a:ext>
             </a:extLst>
           </p:cNvPr>
@@ -7933,7 +9407,7 @@
           <p:cNvPr id="47" name="직선 화살표 연결선 46">
             <a:extLst>
               <a:ext uri="{FF2B5EF4-FFF2-40B4-BE49-F238E27FC236}">
-                <a16:creationId xmlns:a16="http://schemas.microsoft.com/office/drawing/2014/main" id="{4E2DFBCC-A772-42D8-A05C-35678AFA7D9B}"/>
+                <a16:creationId xmlns:a16="http://schemas.microsoft.com/office/drawing/2014/main" xmlns="" id="{4E2DFBCC-A772-42D8-A05C-35678AFA7D9B}"/>
               </a:ext>
             </a:extLst>
           </p:cNvPr>
@@ -7976,7 +9450,7 @@
           <p:cNvPr id="48" name="직선 화살표 연결선 47">
             <a:extLst>
               <a:ext uri="{FF2B5EF4-FFF2-40B4-BE49-F238E27FC236}">
-                <a16:creationId xmlns:a16="http://schemas.microsoft.com/office/drawing/2014/main" id="{743E3986-CFD8-4E05-9C4F-42682945E1BE}"/>
+                <a16:creationId xmlns:a16="http://schemas.microsoft.com/office/drawing/2014/main" xmlns="" id="{743E3986-CFD8-4E05-9C4F-42682945E1BE}"/>
               </a:ext>
             </a:extLst>
           </p:cNvPr>
@@ -8019,7 +9493,7 @@
           <p:cNvPr id="49" name="직선 화살표 연결선 48">
             <a:extLst>
               <a:ext uri="{FF2B5EF4-FFF2-40B4-BE49-F238E27FC236}">
-                <a16:creationId xmlns:a16="http://schemas.microsoft.com/office/drawing/2014/main" id="{A7D5B327-3BF9-4E76-B9C8-2D76393D7410}"/>
+                <a16:creationId xmlns:a16="http://schemas.microsoft.com/office/drawing/2014/main" xmlns="" id="{A7D5B327-3BF9-4E76-B9C8-2D76393D7410}"/>
               </a:ext>
             </a:extLst>
           </p:cNvPr>
@@ -8062,7 +9536,7 @@
           <p:cNvPr id="52" name="TextBox 51">
             <a:extLst>
               <a:ext uri="{FF2B5EF4-FFF2-40B4-BE49-F238E27FC236}">
-                <a16:creationId xmlns:a16="http://schemas.microsoft.com/office/drawing/2014/main" id="{30BDF827-6277-44CA-BF45-32F20C6B3BFC}"/>
+                <a16:creationId xmlns:a16="http://schemas.microsoft.com/office/drawing/2014/main" xmlns="" id="{30BDF827-6277-44CA-BF45-32F20C6B3BFC}"/>
               </a:ext>
             </a:extLst>
           </p:cNvPr>
@@ -8125,7 +9599,7 @@
             <p:cNvPr id="15" name="TextBox 14">
               <a:extLst>
                 <a:ext uri="{FF2B5EF4-FFF2-40B4-BE49-F238E27FC236}">
-                  <a16:creationId xmlns:a16="http://schemas.microsoft.com/office/drawing/2014/main" id="{57B8B9CC-B285-42FE-95C4-C519EA443EFA}"/>
+                  <a16:creationId xmlns:a16="http://schemas.microsoft.com/office/drawing/2014/main" xmlns="" id="{57B8B9CC-B285-42FE-95C4-C519EA443EFA}"/>
                 </a:ext>
               </a:extLst>
             </p:cNvPr>
@@ -8216,7 +9690,7 @@
           <p:cNvPr id="73" name="TextBox 72">
             <a:extLst>
               <a:ext uri="{FF2B5EF4-FFF2-40B4-BE49-F238E27FC236}">
-                <a16:creationId xmlns:a16="http://schemas.microsoft.com/office/drawing/2014/main" id="{5A3CCDD7-5EDE-4221-A98E-D2C3259DB5E4}"/>
+                <a16:creationId xmlns:a16="http://schemas.microsoft.com/office/drawing/2014/main" xmlns="" id="{5A3CCDD7-5EDE-4221-A98E-D2C3259DB5E4}"/>
               </a:ext>
             </a:extLst>
           </p:cNvPr>
@@ -8295,7 +9769,7 @@
           <p:cNvPr id="88" name="TextBox 87">
             <a:extLst>
               <a:ext uri="{FF2B5EF4-FFF2-40B4-BE49-F238E27FC236}">
-                <a16:creationId xmlns:a16="http://schemas.microsoft.com/office/drawing/2014/main" id="{30BDF827-6277-44CA-BF45-32F20C6B3BFC}"/>
+                <a16:creationId xmlns:a16="http://schemas.microsoft.com/office/drawing/2014/main" xmlns="" id="{30BDF827-6277-44CA-BF45-32F20C6B3BFC}"/>
               </a:ext>
             </a:extLst>
           </p:cNvPr>
@@ -8389,7 +9863,7 @@
           <p:nvPr/>
         </p:nvPicPr>
         <p:blipFill>
-          <a:blip r:embed="rId9" cstate="print">
+          <a:blip r:embed="rId10" cstate="print">
             <a:extLst>
               <a:ext uri="{28A0092B-C50C-407E-A947-70E740481C1C}">
                 <a14:useLocalDpi xmlns:a14="http://schemas.microsoft.com/office/drawing/2010/main" val="0"/>
@@ -8504,7 +9978,7 @@
           <p:nvPr/>
         </p:nvPicPr>
         <p:blipFill>
-          <a:blip r:embed="rId10" cstate="print">
+          <a:blip r:embed="rId11" cstate="print">
             <a:extLst>
               <a:ext uri="{28A0092B-C50C-407E-A947-70E740481C1C}">
                 <a14:useLocalDpi xmlns:a14="http://schemas.microsoft.com/office/drawing/2010/main" val="0"/>
@@ -8579,7 +10053,7 @@
           <p:cNvPr id="116" name="TextBox 115">
             <a:extLst>
               <a:ext uri="{FF2B5EF4-FFF2-40B4-BE49-F238E27FC236}">
-                <a16:creationId xmlns:a16="http://schemas.microsoft.com/office/drawing/2014/main" id="{30BDF827-6277-44CA-BF45-32F20C6B3BFC}"/>
+                <a16:creationId xmlns:a16="http://schemas.microsoft.com/office/drawing/2014/main" xmlns="" id="{30BDF827-6277-44CA-BF45-32F20C6B3BFC}"/>
               </a:ext>
             </a:extLst>
           </p:cNvPr>
@@ -8616,7 +10090,7 @@
           <p:cNvPr id="120" name="그림 119">
             <a:extLst>
               <a:ext uri="{FF2B5EF4-FFF2-40B4-BE49-F238E27FC236}">
-                <a16:creationId xmlns:a16="http://schemas.microsoft.com/office/drawing/2014/main" id="{1E2FE58D-B191-45C4-81A7-1CC1F9DF5019}"/>
+                <a16:creationId xmlns:a16="http://schemas.microsoft.com/office/drawing/2014/main" xmlns="" id="{1E2FE58D-B191-45C4-81A7-1CC1F9DF5019}"/>
               </a:ext>
             </a:extLst>
           </p:cNvPr>
@@ -8626,13 +10100,13 @@
           <p:nvPr/>
         </p:nvPicPr>
         <p:blipFill>
-          <a:blip r:embed="rId11" cstate="print">
+          <a:blip r:embed="rId12" cstate="print">
             <a:extLst>
               <a:ext uri="{28A0092B-C50C-407E-A947-70E740481C1C}">
                 <a14:useLocalDpi xmlns:a14="http://schemas.microsoft.com/office/drawing/2010/main" val="0"/>
               </a:ext>
               <a:ext uri="{837473B0-CC2E-450A-ABE3-18F120FF3D39}">
-                <a1611:picAttrSrcUrl xmlns="" xmlns:a1611="http://schemas.microsoft.com/office/drawing/2016/11/main" r:id="rId3"/>
+                <a1611:picAttrSrcUrl xmlns:a1611="http://schemas.microsoft.com/office/drawing/2016/11/main" xmlns="" r:id="rId3"/>
               </a:ext>
             </a:extLst>
           </a:blip>
@@ -8655,7 +10129,7 @@
           <p:cNvPr id="121" name="TextBox 120">
             <a:extLst>
               <a:ext uri="{FF2B5EF4-FFF2-40B4-BE49-F238E27FC236}">
-                <a16:creationId xmlns:a16="http://schemas.microsoft.com/office/drawing/2014/main" id="{30BDF827-6277-44CA-BF45-32F20C6B3BFC}"/>
+                <a16:creationId xmlns:a16="http://schemas.microsoft.com/office/drawing/2014/main" xmlns="" id="{30BDF827-6277-44CA-BF45-32F20C6B3BFC}"/>
               </a:ext>
             </a:extLst>
           </p:cNvPr>
@@ -8692,7 +10166,7 @@
           <p:cNvPr id="122" name="TextBox 121">
             <a:extLst>
               <a:ext uri="{FF2B5EF4-FFF2-40B4-BE49-F238E27FC236}">
-                <a16:creationId xmlns:a16="http://schemas.microsoft.com/office/drawing/2014/main" id="{30BDF827-6277-44CA-BF45-32F20C6B3BFC}"/>
+                <a16:creationId xmlns:a16="http://schemas.microsoft.com/office/drawing/2014/main" xmlns="" id="{30BDF827-6277-44CA-BF45-32F20C6B3BFC}"/>
               </a:ext>
             </a:extLst>
           </p:cNvPr>
@@ -8729,7 +10203,7 @@
           <p:cNvPr id="124" name="그림 123">
             <a:extLst>
               <a:ext uri="{FF2B5EF4-FFF2-40B4-BE49-F238E27FC236}">
-                <a16:creationId xmlns:a16="http://schemas.microsoft.com/office/drawing/2014/main" id="{1E2FE58D-B191-45C4-81A7-1CC1F9DF5019}"/>
+                <a16:creationId xmlns:a16="http://schemas.microsoft.com/office/drawing/2014/main" xmlns="" id="{1E2FE58D-B191-45C4-81A7-1CC1F9DF5019}"/>
               </a:ext>
             </a:extLst>
           </p:cNvPr>
@@ -8739,13 +10213,13 @@
           <p:nvPr/>
         </p:nvPicPr>
         <p:blipFill>
-          <a:blip r:embed="rId11" cstate="print">
+          <a:blip r:embed="rId12" cstate="print">
             <a:extLst>
               <a:ext uri="{28A0092B-C50C-407E-A947-70E740481C1C}">
                 <a14:useLocalDpi xmlns:a14="http://schemas.microsoft.com/office/drawing/2010/main" val="0"/>
               </a:ext>
               <a:ext uri="{837473B0-CC2E-450A-ABE3-18F120FF3D39}">
-                <a1611:picAttrSrcUrl xmlns="" xmlns:a1611="http://schemas.microsoft.com/office/drawing/2016/11/main" r:id="rId3"/>
+                <a1611:picAttrSrcUrl xmlns:a1611="http://schemas.microsoft.com/office/drawing/2016/11/main" xmlns="" r:id="rId3"/>
               </a:ext>
             </a:extLst>
           </a:blip>
@@ -8768,7 +10242,7 @@
           <p:cNvPr id="125" name="TextBox 124">
             <a:extLst>
               <a:ext uri="{FF2B5EF4-FFF2-40B4-BE49-F238E27FC236}">
-                <a16:creationId xmlns:a16="http://schemas.microsoft.com/office/drawing/2014/main" id="{30BDF827-6277-44CA-BF45-32F20C6B3BFC}"/>
+                <a16:creationId xmlns:a16="http://schemas.microsoft.com/office/drawing/2014/main" xmlns="" id="{30BDF827-6277-44CA-BF45-32F20C6B3BFC}"/>
               </a:ext>
             </a:extLst>
           </p:cNvPr>
@@ -8809,7 +10283,7 @@
           <p:cNvPr id="126" name="TextBox 125">
             <a:extLst>
               <a:ext uri="{FF2B5EF4-FFF2-40B4-BE49-F238E27FC236}">
-                <a16:creationId xmlns:a16="http://schemas.microsoft.com/office/drawing/2014/main" id="{30BDF827-6277-44CA-BF45-32F20C6B3BFC}"/>
+                <a16:creationId xmlns:a16="http://schemas.microsoft.com/office/drawing/2014/main" xmlns="" id="{30BDF827-6277-44CA-BF45-32F20C6B3BFC}"/>
               </a:ext>
             </a:extLst>
           </p:cNvPr>
@@ -8854,7 +10328,7 @@
           <p:cNvPr id="128" name="TextBox 127">
             <a:extLst>
               <a:ext uri="{FF2B5EF4-FFF2-40B4-BE49-F238E27FC236}">
-                <a16:creationId xmlns:a16="http://schemas.microsoft.com/office/drawing/2014/main" id="{30BDF827-6277-44CA-BF45-32F20C6B3BFC}"/>
+                <a16:creationId xmlns:a16="http://schemas.microsoft.com/office/drawing/2014/main" xmlns="" id="{30BDF827-6277-44CA-BF45-32F20C6B3BFC}"/>
               </a:ext>
             </a:extLst>
           </p:cNvPr>
@@ -8891,7 +10365,7 @@
           <p:cNvPr id="129" name="TextBox 128">
             <a:extLst>
               <a:ext uri="{FF2B5EF4-FFF2-40B4-BE49-F238E27FC236}">
-                <a16:creationId xmlns:a16="http://schemas.microsoft.com/office/drawing/2014/main" id="{30BDF827-6277-44CA-BF45-32F20C6B3BFC}"/>
+                <a16:creationId xmlns:a16="http://schemas.microsoft.com/office/drawing/2014/main" xmlns="" id="{30BDF827-6277-44CA-BF45-32F20C6B3BFC}"/>
               </a:ext>
             </a:extLst>
           </p:cNvPr>
@@ -8928,7 +10402,7 @@
           <p:cNvPr id="136" name="그림 135">
             <a:extLst>
               <a:ext uri="{FF2B5EF4-FFF2-40B4-BE49-F238E27FC236}">
-                <a16:creationId xmlns:a16="http://schemas.microsoft.com/office/drawing/2014/main" id="{1E2FE58D-B191-45C4-81A7-1CC1F9DF5019}"/>
+                <a16:creationId xmlns:a16="http://schemas.microsoft.com/office/drawing/2014/main" xmlns="" id="{1E2FE58D-B191-45C4-81A7-1CC1F9DF5019}"/>
               </a:ext>
             </a:extLst>
           </p:cNvPr>
@@ -8938,13 +10412,13 @@
           <p:nvPr/>
         </p:nvPicPr>
         <p:blipFill>
-          <a:blip r:embed="rId11" cstate="print">
+          <a:blip r:embed="rId12" cstate="print">
             <a:extLst>
               <a:ext uri="{28A0092B-C50C-407E-A947-70E740481C1C}">
                 <a14:useLocalDpi xmlns:a14="http://schemas.microsoft.com/office/drawing/2010/main" val="0"/>
               </a:ext>
               <a:ext uri="{837473B0-CC2E-450A-ABE3-18F120FF3D39}">
-                <a1611:picAttrSrcUrl xmlns="" xmlns:a1611="http://schemas.microsoft.com/office/drawing/2016/11/main" r:id="rId3"/>
+                <a1611:picAttrSrcUrl xmlns:a1611="http://schemas.microsoft.com/office/drawing/2016/11/main" xmlns="" r:id="rId3"/>
               </a:ext>
             </a:extLst>
           </a:blip>
@@ -8967,7 +10441,7 @@
           <p:cNvPr id="140" name="그림 139">
             <a:extLst>
               <a:ext uri="{FF2B5EF4-FFF2-40B4-BE49-F238E27FC236}">
-                <a16:creationId xmlns:a16="http://schemas.microsoft.com/office/drawing/2014/main" id="{1E2FE58D-B191-45C4-81A7-1CC1F9DF5019}"/>
+                <a16:creationId xmlns:a16="http://schemas.microsoft.com/office/drawing/2014/main" xmlns="" id="{1E2FE58D-B191-45C4-81A7-1CC1F9DF5019}"/>
               </a:ext>
             </a:extLst>
           </p:cNvPr>
@@ -8977,13 +10451,13 @@
           <p:nvPr/>
         </p:nvPicPr>
         <p:blipFill>
-          <a:blip r:embed="rId11" cstate="print">
+          <a:blip r:embed="rId12" cstate="print">
             <a:extLst>
               <a:ext uri="{28A0092B-C50C-407E-A947-70E740481C1C}">
                 <a14:useLocalDpi xmlns:a14="http://schemas.microsoft.com/office/drawing/2010/main" val="0"/>
               </a:ext>
               <a:ext uri="{837473B0-CC2E-450A-ABE3-18F120FF3D39}">
-                <a1611:picAttrSrcUrl xmlns="" xmlns:a1611="http://schemas.microsoft.com/office/drawing/2016/11/main" r:id="rId3"/>
+                <a1611:picAttrSrcUrl xmlns:a1611="http://schemas.microsoft.com/office/drawing/2016/11/main" xmlns="" r:id="rId3"/>
               </a:ext>
             </a:extLst>
           </a:blip>
@@ -9006,7 +10480,7 @@
           <p:cNvPr id="141" name="TextBox 140">
             <a:extLst>
               <a:ext uri="{FF2B5EF4-FFF2-40B4-BE49-F238E27FC236}">
-                <a16:creationId xmlns:a16="http://schemas.microsoft.com/office/drawing/2014/main" id="{30BDF827-6277-44CA-BF45-32F20C6B3BFC}"/>
+                <a16:creationId xmlns:a16="http://schemas.microsoft.com/office/drawing/2014/main" xmlns="" id="{30BDF827-6277-44CA-BF45-32F20C6B3BFC}"/>
               </a:ext>
             </a:extLst>
           </p:cNvPr>
@@ -9043,7 +10517,7 @@
           <p:cNvPr id="142" name="그림 141">
             <a:extLst>
               <a:ext uri="{FF2B5EF4-FFF2-40B4-BE49-F238E27FC236}">
-                <a16:creationId xmlns:a16="http://schemas.microsoft.com/office/drawing/2014/main" id="{1E2FE58D-B191-45C4-81A7-1CC1F9DF5019}"/>
+                <a16:creationId xmlns:a16="http://schemas.microsoft.com/office/drawing/2014/main" xmlns="" id="{1E2FE58D-B191-45C4-81A7-1CC1F9DF5019}"/>
               </a:ext>
             </a:extLst>
           </p:cNvPr>
@@ -9053,13 +10527,13 @@
           <p:nvPr/>
         </p:nvPicPr>
         <p:blipFill>
-          <a:blip r:embed="rId11" cstate="print">
+          <a:blip r:embed="rId12" cstate="print">
             <a:extLst>
               <a:ext uri="{28A0092B-C50C-407E-A947-70E740481C1C}">
                 <a14:useLocalDpi xmlns:a14="http://schemas.microsoft.com/office/drawing/2010/main" val="0"/>
               </a:ext>
               <a:ext uri="{837473B0-CC2E-450A-ABE3-18F120FF3D39}">
-                <a1611:picAttrSrcUrl xmlns="" xmlns:a1611="http://schemas.microsoft.com/office/drawing/2016/11/main" r:id="rId3"/>
+                <a1611:picAttrSrcUrl xmlns:a1611="http://schemas.microsoft.com/office/drawing/2016/11/main" xmlns="" r:id="rId3"/>
               </a:ext>
             </a:extLst>
           </a:blip>
@@ -9082,7 +10556,7 @@
           <p:cNvPr id="144" name="그림 143">
             <a:extLst>
               <a:ext uri="{FF2B5EF4-FFF2-40B4-BE49-F238E27FC236}">
-                <a16:creationId xmlns:a16="http://schemas.microsoft.com/office/drawing/2014/main" id="{1E2FE58D-B191-45C4-81A7-1CC1F9DF5019}"/>
+                <a16:creationId xmlns:a16="http://schemas.microsoft.com/office/drawing/2014/main" xmlns="" id="{1E2FE58D-B191-45C4-81A7-1CC1F9DF5019}"/>
               </a:ext>
             </a:extLst>
           </p:cNvPr>
@@ -9092,13 +10566,13 @@
           <p:nvPr/>
         </p:nvPicPr>
         <p:blipFill>
-          <a:blip r:embed="rId11" cstate="print">
+          <a:blip r:embed="rId12" cstate="print">
             <a:extLst>
               <a:ext uri="{28A0092B-C50C-407E-A947-70E740481C1C}">
                 <a14:useLocalDpi xmlns:a14="http://schemas.microsoft.com/office/drawing/2010/main" val="0"/>
               </a:ext>
               <a:ext uri="{837473B0-CC2E-450A-ABE3-18F120FF3D39}">
-                <a1611:picAttrSrcUrl xmlns="" xmlns:a1611="http://schemas.microsoft.com/office/drawing/2016/11/main" r:id="rId3"/>
+                <a1611:picAttrSrcUrl xmlns:a1611="http://schemas.microsoft.com/office/drawing/2016/11/main" xmlns="" r:id="rId3"/>
               </a:ext>
             </a:extLst>
           </a:blip>
@@ -9192,7 +10666,7 @@
           <p:cNvPr id="174" name="그림 173">
             <a:extLst>
               <a:ext uri="{FF2B5EF4-FFF2-40B4-BE49-F238E27FC236}">
-                <a16:creationId xmlns:a16="http://schemas.microsoft.com/office/drawing/2014/main" id="{1E2FE58D-B191-45C4-81A7-1CC1F9DF5019}"/>
+                <a16:creationId xmlns:a16="http://schemas.microsoft.com/office/drawing/2014/main" xmlns="" id="{1E2FE58D-B191-45C4-81A7-1CC1F9DF5019}"/>
               </a:ext>
             </a:extLst>
           </p:cNvPr>
@@ -9202,13 +10676,13 @@
           <p:nvPr/>
         </p:nvPicPr>
         <p:blipFill>
-          <a:blip r:embed="rId11" cstate="print">
+          <a:blip r:embed="rId12" cstate="print">
             <a:extLst>
               <a:ext uri="{28A0092B-C50C-407E-A947-70E740481C1C}">
                 <a14:useLocalDpi xmlns:a14="http://schemas.microsoft.com/office/drawing/2010/main" val="0"/>
               </a:ext>
               <a:ext uri="{837473B0-CC2E-450A-ABE3-18F120FF3D39}">
-                <a1611:picAttrSrcUrl xmlns="" xmlns:a1611="http://schemas.microsoft.com/office/drawing/2016/11/main" r:id="rId3"/>
+                <a1611:picAttrSrcUrl xmlns:a1611="http://schemas.microsoft.com/office/drawing/2016/11/main" xmlns="" r:id="rId3"/>
               </a:ext>
             </a:extLst>
           </a:blip>
@@ -9235,7 +10709,7 @@
           <p:nvPr/>
         </p:nvPicPr>
         <p:blipFill>
-          <a:blip r:embed="rId12" cstate="print">
+          <a:blip r:embed="rId13" cstate="print">
             <a:extLst>
               <a:ext uri="{28A0092B-C50C-407E-A947-70E740481C1C}">
                 <a14:useLocalDpi xmlns:a14="http://schemas.microsoft.com/office/drawing/2010/main" val="0"/>
@@ -9276,7 +10750,7 @@
           <p:nvPr/>
         </p:nvPicPr>
         <p:blipFill>
-          <a:blip r:embed="rId12" cstate="print">
+          <a:blip r:embed="rId13" cstate="print">
             <a:extLst>
               <a:ext uri="{28A0092B-C50C-407E-A947-70E740481C1C}">
                 <a14:useLocalDpi xmlns:a14="http://schemas.microsoft.com/office/drawing/2010/main" val="0"/>
@@ -9317,7 +10791,7 @@
           <p:nvPr/>
         </p:nvPicPr>
         <p:blipFill>
-          <a:blip r:embed="rId12" cstate="print">
+          <a:blip r:embed="rId13" cstate="print">
             <a:extLst>
               <a:ext uri="{28A0092B-C50C-407E-A947-70E740481C1C}">
                 <a14:useLocalDpi xmlns:a14="http://schemas.microsoft.com/office/drawing/2010/main" val="0"/>
@@ -9358,7 +10832,7 @@
           <p:nvPr/>
         </p:nvPicPr>
         <p:blipFill>
-          <a:blip r:embed="rId12" cstate="print">
+          <a:blip r:embed="rId13" cstate="print">
             <a:extLst>
               <a:ext uri="{28A0092B-C50C-407E-A947-70E740481C1C}">
                 <a14:useLocalDpi xmlns:a14="http://schemas.microsoft.com/office/drawing/2010/main" val="0"/>
@@ -9501,7 +10975,7 @@
           <p:cNvPr id="190" name="TextBox 189">
             <a:extLst>
               <a:ext uri="{FF2B5EF4-FFF2-40B4-BE49-F238E27FC236}">
-                <a16:creationId xmlns:a16="http://schemas.microsoft.com/office/drawing/2014/main" id="{A173E549-6E4C-4448-8791-EB7A25BB4AA1}"/>
+                <a16:creationId xmlns:a16="http://schemas.microsoft.com/office/drawing/2014/main" xmlns="" id="{A173E549-6E4C-4448-8791-EB7A25BB4AA1}"/>
               </a:ext>
             </a:extLst>
           </p:cNvPr>
@@ -9577,7 +11051,7 @@
           <p:cNvPr id="195" name="TextBox 194">
             <a:extLst>
               <a:ext uri="{FF2B5EF4-FFF2-40B4-BE49-F238E27FC236}">
-                <a16:creationId xmlns:a16="http://schemas.microsoft.com/office/drawing/2014/main" id="{30BDF827-6277-44CA-BF45-32F20C6B3BFC}"/>
+                <a16:creationId xmlns:a16="http://schemas.microsoft.com/office/drawing/2014/main" xmlns="" id="{30BDF827-6277-44CA-BF45-32F20C6B3BFC}"/>
               </a:ext>
             </a:extLst>
           </p:cNvPr>
@@ -9614,7 +11088,7 @@
           <p:cNvPr id="196" name="TextBox 195">
             <a:extLst>
               <a:ext uri="{FF2B5EF4-FFF2-40B4-BE49-F238E27FC236}">
-                <a16:creationId xmlns:a16="http://schemas.microsoft.com/office/drawing/2014/main" id="{A173E549-6E4C-4448-8791-EB7A25BB4AA1}"/>
+                <a16:creationId xmlns:a16="http://schemas.microsoft.com/office/drawing/2014/main" xmlns="" id="{A173E549-6E4C-4448-8791-EB7A25BB4AA1}"/>
               </a:ext>
             </a:extLst>
           </p:cNvPr>
@@ -9856,7 +11330,7 @@
             <p:cNvPr id="15" name="TextBox 14">
               <a:extLst>
                 <a:ext uri="{FF2B5EF4-FFF2-40B4-BE49-F238E27FC236}">
-                  <a16:creationId xmlns:a16="http://schemas.microsoft.com/office/drawing/2014/main" id="{57B8B9CC-B285-42FE-95C4-C519EA443EFA}"/>
+                  <a16:creationId xmlns:a16="http://schemas.microsoft.com/office/drawing/2014/main" xmlns="" id="{57B8B9CC-B285-42FE-95C4-C519EA443EFA}"/>
                 </a:ext>
               </a:extLst>
             </p:cNvPr>
@@ -9947,7 +11421,7 @@
           <p:cNvPr id="73" name="TextBox 72">
             <a:extLst>
               <a:ext uri="{FF2B5EF4-FFF2-40B4-BE49-F238E27FC236}">
-                <a16:creationId xmlns:a16="http://schemas.microsoft.com/office/drawing/2014/main" id="{5A3CCDD7-5EDE-4221-A98E-D2C3259DB5E4}"/>
+                <a16:creationId xmlns:a16="http://schemas.microsoft.com/office/drawing/2014/main" xmlns="" id="{5A3CCDD7-5EDE-4221-A98E-D2C3259DB5E4}"/>
               </a:ext>
             </a:extLst>
           </p:cNvPr>
@@ -10109,7 +11583,7 @@
           <p:cNvPr id="124" name="그림 123">
             <a:extLst>
               <a:ext uri="{FF2B5EF4-FFF2-40B4-BE49-F238E27FC236}">
-                <a16:creationId xmlns:a16="http://schemas.microsoft.com/office/drawing/2014/main" id="{1E2FE58D-B191-45C4-81A7-1CC1F9DF5019}"/>
+                <a16:creationId xmlns:a16="http://schemas.microsoft.com/office/drawing/2014/main" xmlns="" id="{1E2FE58D-B191-45C4-81A7-1CC1F9DF5019}"/>
               </a:ext>
             </a:extLst>
           </p:cNvPr>
@@ -10125,7 +11599,7 @@
                 <a14:useLocalDpi xmlns:a14="http://schemas.microsoft.com/office/drawing/2010/main" val="0"/>
               </a:ext>
               <a:ext uri="{837473B0-CC2E-450A-ABE3-18F120FF3D39}">
-                <a1611:picAttrSrcUrl xmlns="" xmlns:a1611="http://schemas.microsoft.com/office/drawing/2016/11/main" r:id="rId6"/>
+                <a1611:picAttrSrcUrl xmlns:a1611="http://schemas.microsoft.com/office/drawing/2016/11/main" xmlns="" r:id="rId6"/>
               </a:ext>
             </a:extLst>
           </a:blip>
@@ -10148,7 +11622,7 @@
           <p:cNvPr id="125" name="TextBox 124">
             <a:extLst>
               <a:ext uri="{FF2B5EF4-FFF2-40B4-BE49-F238E27FC236}">
-                <a16:creationId xmlns:a16="http://schemas.microsoft.com/office/drawing/2014/main" id="{30BDF827-6277-44CA-BF45-32F20C6B3BFC}"/>
+                <a16:creationId xmlns:a16="http://schemas.microsoft.com/office/drawing/2014/main" xmlns="" id="{30BDF827-6277-44CA-BF45-32F20C6B3BFC}"/>
               </a:ext>
             </a:extLst>
           </p:cNvPr>
@@ -10189,7 +11663,7 @@
           <p:cNvPr id="126" name="TextBox 125">
             <a:extLst>
               <a:ext uri="{FF2B5EF4-FFF2-40B4-BE49-F238E27FC236}">
-                <a16:creationId xmlns:a16="http://schemas.microsoft.com/office/drawing/2014/main" id="{30BDF827-6277-44CA-BF45-32F20C6B3BFC}"/>
+                <a16:creationId xmlns:a16="http://schemas.microsoft.com/office/drawing/2014/main" xmlns="" id="{30BDF827-6277-44CA-BF45-32F20C6B3BFC}"/>
               </a:ext>
             </a:extLst>
           </p:cNvPr>
@@ -10234,7 +11708,7 @@
           <p:cNvPr id="141" name="TextBox 140">
             <a:extLst>
               <a:ext uri="{FF2B5EF4-FFF2-40B4-BE49-F238E27FC236}">
-                <a16:creationId xmlns:a16="http://schemas.microsoft.com/office/drawing/2014/main" id="{30BDF827-6277-44CA-BF45-32F20C6B3BFC}"/>
+                <a16:creationId xmlns:a16="http://schemas.microsoft.com/office/drawing/2014/main" xmlns="" id="{30BDF827-6277-44CA-BF45-32F20C6B3BFC}"/>
               </a:ext>
             </a:extLst>
           </p:cNvPr>
@@ -10294,7 +11768,7 @@
           <p:cNvPr id="195" name="TextBox 194">
             <a:extLst>
               <a:ext uri="{FF2B5EF4-FFF2-40B4-BE49-F238E27FC236}">
-                <a16:creationId xmlns:a16="http://schemas.microsoft.com/office/drawing/2014/main" id="{30BDF827-6277-44CA-BF45-32F20C6B3BFC}"/>
+                <a16:creationId xmlns:a16="http://schemas.microsoft.com/office/drawing/2014/main" xmlns="" id="{30BDF827-6277-44CA-BF45-32F20C6B3BFC}"/>
               </a:ext>
             </a:extLst>
           </p:cNvPr>
@@ -10339,7 +11813,7 @@
           <p:cNvPr id="64" name="TextBox 63">
             <a:extLst>
               <a:ext uri="{FF2B5EF4-FFF2-40B4-BE49-F238E27FC236}">
-                <a16:creationId xmlns:a16="http://schemas.microsoft.com/office/drawing/2014/main" id="{30BDF827-6277-44CA-BF45-32F20C6B3BFC}"/>
+                <a16:creationId xmlns:a16="http://schemas.microsoft.com/office/drawing/2014/main" xmlns="" id="{30BDF827-6277-44CA-BF45-32F20C6B3BFC}"/>
               </a:ext>
             </a:extLst>
           </p:cNvPr>
@@ -10543,7 +12017,7 @@
           <p:cNvPr id="104" name="TextBox 103">
             <a:extLst>
               <a:ext uri="{FF2B5EF4-FFF2-40B4-BE49-F238E27FC236}">
-                <a16:creationId xmlns:a16="http://schemas.microsoft.com/office/drawing/2014/main" id="{30BDF827-6277-44CA-BF45-32F20C6B3BFC}"/>
+                <a16:creationId xmlns:a16="http://schemas.microsoft.com/office/drawing/2014/main" xmlns="" id="{30BDF827-6277-44CA-BF45-32F20C6B3BFC}"/>
               </a:ext>
             </a:extLst>
           </p:cNvPr>
@@ -10632,7 +12106,7 @@
           <p:cNvPr id="109" name="TextBox 108">
             <a:extLst>
               <a:ext uri="{FF2B5EF4-FFF2-40B4-BE49-F238E27FC236}">
-                <a16:creationId xmlns:a16="http://schemas.microsoft.com/office/drawing/2014/main" id="{30BDF827-6277-44CA-BF45-32F20C6B3BFC}"/>
+                <a16:creationId xmlns:a16="http://schemas.microsoft.com/office/drawing/2014/main" xmlns="" id="{30BDF827-6277-44CA-BF45-32F20C6B3BFC}"/>
               </a:ext>
             </a:extLst>
           </p:cNvPr>
@@ -10687,7 +12161,7 @@
             <p:cNvPr id="128" name="TextBox 127">
               <a:extLst>
                 <a:ext uri="{FF2B5EF4-FFF2-40B4-BE49-F238E27FC236}">
-                  <a16:creationId xmlns:a16="http://schemas.microsoft.com/office/drawing/2014/main" id="{30BDF827-6277-44CA-BF45-32F20C6B3BFC}"/>
+                  <a16:creationId xmlns:a16="http://schemas.microsoft.com/office/drawing/2014/main" xmlns="" id="{30BDF827-6277-44CA-BF45-32F20C6B3BFC}"/>
                 </a:ext>
               </a:extLst>
             </p:cNvPr>
@@ -10724,7 +12198,7 @@
             <p:cNvPr id="110" name="TextBox 109">
               <a:extLst>
                 <a:ext uri="{FF2B5EF4-FFF2-40B4-BE49-F238E27FC236}">
-                  <a16:creationId xmlns:a16="http://schemas.microsoft.com/office/drawing/2014/main" id="{30BDF827-6277-44CA-BF45-32F20C6B3BFC}"/>
+                  <a16:creationId xmlns:a16="http://schemas.microsoft.com/office/drawing/2014/main" xmlns="" id="{30BDF827-6277-44CA-BF45-32F20C6B3BFC}"/>
                 </a:ext>
               </a:extLst>
             </p:cNvPr>
@@ -10805,7 +12279,7 @@
             <p:cNvPr id="115" name="TextBox 114">
               <a:extLst>
                 <a:ext uri="{FF2B5EF4-FFF2-40B4-BE49-F238E27FC236}">
-                  <a16:creationId xmlns:a16="http://schemas.microsoft.com/office/drawing/2014/main" id="{30BDF827-6277-44CA-BF45-32F20C6B3BFC}"/>
+                  <a16:creationId xmlns:a16="http://schemas.microsoft.com/office/drawing/2014/main" xmlns="" id="{30BDF827-6277-44CA-BF45-32F20C6B3BFC}"/>
                 </a:ext>
               </a:extLst>
             </p:cNvPr>
@@ -10842,7 +12316,7 @@
             <p:cNvPr id="117" name="TextBox 116">
               <a:extLst>
                 <a:ext uri="{FF2B5EF4-FFF2-40B4-BE49-F238E27FC236}">
-                  <a16:creationId xmlns:a16="http://schemas.microsoft.com/office/drawing/2014/main" id="{30BDF827-6277-44CA-BF45-32F20C6B3BFC}"/>
+                  <a16:creationId xmlns:a16="http://schemas.microsoft.com/office/drawing/2014/main" xmlns="" id="{30BDF827-6277-44CA-BF45-32F20C6B3BFC}"/>
                 </a:ext>
               </a:extLst>
             </p:cNvPr>
@@ -10909,7 +12383,7 @@
           <p:cNvPr id="52" name="TextBox 51">
             <a:extLst>
               <a:ext uri="{FF2B5EF4-FFF2-40B4-BE49-F238E27FC236}">
-                <a16:creationId xmlns:a16="http://schemas.microsoft.com/office/drawing/2014/main" id="{30BDF827-6277-44CA-BF45-32F20C6B3BFC}"/>
+                <a16:creationId xmlns:a16="http://schemas.microsoft.com/office/drawing/2014/main" xmlns="" id="{30BDF827-6277-44CA-BF45-32F20C6B3BFC}"/>
               </a:ext>
             </a:extLst>
           </p:cNvPr>
@@ -11274,7 +12748,7 @@
           <p:cNvPr id="90" name="그림 89">
             <a:extLst>
               <a:ext uri="{FF2B5EF4-FFF2-40B4-BE49-F238E27FC236}">
-                <a16:creationId xmlns:a16="http://schemas.microsoft.com/office/drawing/2014/main" id="{1E2FE58D-B191-45C4-81A7-1CC1F9DF5019}"/>
+                <a16:creationId xmlns:a16="http://schemas.microsoft.com/office/drawing/2014/main" xmlns="" id="{1E2FE58D-B191-45C4-81A7-1CC1F9DF5019}"/>
               </a:ext>
             </a:extLst>
           </p:cNvPr>
@@ -11290,7 +12764,7 @@
                 <a14:useLocalDpi xmlns:a14="http://schemas.microsoft.com/office/drawing/2010/main" val="0"/>
               </a:ext>
               <a:ext uri="{837473B0-CC2E-450A-ABE3-18F120FF3D39}">
-                <a1611:picAttrSrcUrl xmlns="" xmlns:a1611="http://schemas.microsoft.com/office/drawing/2016/11/main" r:id="rId8"/>
+                <a1611:picAttrSrcUrl xmlns:a1611="http://schemas.microsoft.com/office/drawing/2016/11/main" xmlns="" r:id="rId8"/>
               </a:ext>
             </a:extLst>
           </a:blip>
@@ -11313,7 +12787,7 @@
           <p:cNvPr id="91" name="그림 90">
             <a:extLst>
               <a:ext uri="{FF2B5EF4-FFF2-40B4-BE49-F238E27FC236}">
-                <a16:creationId xmlns:a16="http://schemas.microsoft.com/office/drawing/2014/main" id="{1E2FE58D-B191-45C4-81A7-1CC1F9DF5019}"/>
+                <a16:creationId xmlns:a16="http://schemas.microsoft.com/office/drawing/2014/main" xmlns="" id="{1E2FE58D-B191-45C4-81A7-1CC1F9DF5019}"/>
               </a:ext>
             </a:extLst>
           </p:cNvPr>
@@ -11329,7 +12803,7 @@
                 <a14:useLocalDpi xmlns:a14="http://schemas.microsoft.com/office/drawing/2010/main" val="0"/>
               </a:ext>
               <a:ext uri="{837473B0-CC2E-450A-ABE3-18F120FF3D39}">
-                <a1611:picAttrSrcUrl xmlns="" xmlns:a1611="http://schemas.microsoft.com/office/drawing/2016/11/main" r:id="rId8"/>
+                <a1611:picAttrSrcUrl xmlns:a1611="http://schemas.microsoft.com/office/drawing/2016/11/main" xmlns="" r:id="rId8"/>
               </a:ext>
             </a:extLst>
           </a:blip>
@@ -11352,7 +12826,7 @@
           <p:cNvPr id="92" name="TextBox 91">
             <a:extLst>
               <a:ext uri="{FF2B5EF4-FFF2-40B4-BE49-F238E27FC236}">
-                <a16:creationId xmlns:a16="http://schemas.microsoft.com/office/drawing/2014/main" id="{30BDF827-6277-44CA-BF45-32F20C6B3BFC}"/>
+                <a16:creationId xmlns:a16="http://schemas.microsoft.com/office/drawing/2014/main" xmlns="" id="{30BDF827-6277-44CA-BF45-32F20C6B3BFC}"/>
               </a:ext>
             </a:extLst>
           </p:cNvPr>
@@ -11389,7 +12863,7 @@
           <p:cNvPr id="93" name="그림 92">
             <a:extLst>
               <a:ext uri="{FF2B5EF4-FFF2-40B4-BE49-F238E27FC236}">
-                <a16:creationId xmlns:a16="http://schemas.microsoft.com/office/drawing/2014/main" id="{1E2FE58D-B191-45C4-81A7-1CC1F9DF5019}"/>
+                <a16:creationId xmlns:a16="http://schemas.microsoft.com/office/drawing/2014/main" xmlns="" id="{1E2FE58D-B191-45C4-81A7-1CC1F9DF5019}"/>
               </a:ext>
             </a:extLst>
           </p:cNvPr>
@@ -11405,7 +12879,7 @@
                 <a14:useLocalDpi xmlns:a14="http://schemas.microsoft.com/office/drawing/2010/main" val="0"/>
               </a:ext>
               <a:ext uri="{837473B0-CC2E-450A-ABE3-18F120FF3D39}">
-                <a1611:picAttrSrcUrl xmlns="" xmlns:a1611="http://schemas.microsoft.com/office/drawing/2016/11/main" r:id="rId8"/>
+                <a1611:picAttrSrcUrl xmlns:a1611="http://schemas.microsoft.com/office/drawing/2016/11/main" xmlns="" r:id="rId8"/>
               </a:ext>
             </a:extLst>
           </a:blip>
@@ -11428,7 +12902,7 @@
           <p:cNvPr id="94" name="그림 93">
             <a:extLst>
               <a:ext uri="{FF2B5EF4-FFF2-40B4-BE49-F238E27FC236}">
-                <a16:creationId xmlns:a16="http://schemas.microsoft.com/office/drawing/2014/main" id="{1E2FE58D-B191-45C4-81A7-1CC1F9DF5019}"/>
+                <a16:creationId xmlns:a16="http://schemas.microsoft.com/office/drawing/2014/main" xmlns="" id="{1E2FE58D-B191-45C4-81A7-1CC1F9DF5019}"/>
               </a:ext>
             </a:extLst>
           </p:cNvPr>
@@ -11444,7 +12918,7 @@
                 <a14:useLocalDpi xmlns:a14="http://schemas.microsoft.com/office/drawing/2010/main" val="0"/>
               </a:ext>
               <a:ext uri="{837473B0-CC2E-450A-ABE3-18F120FF3D39}">
-                <a1611:picAttrSrcUrl xmlns="" xmlns:a1611="http://schemas.microsoft.com/office/drawing/2016/11/main" r:id="rId8"/>
+                <a1611:picAttrSrcUrl xmlns:a1611="http://schemas.microsoft.com/office/drawing/2016/11/main" xmlns="" r:id="rId8"/>
               </a:ext>
             </a:extLst>
           </a:blip>
@@ -11663,7 +13137,7 @@
           <p:cNvPr id="102" name="TextBox 101">
             <a:extLst>
               <a:ext uri="{FF2B5EF4-FFF2-40B4-BE49-F238E27FC236}">
-                <a16:creationId xmlns:a16="http://schemas.microsoft.com/office/drawing/2014/main" id="{A173E549-6E4C-4448-8791-EB7A25BB4AA1}"/>
+                <a16:creationId xmlns:a16="http://schemas.microsoft.com/office/drawing/2014/main" xmlns="" id="{A173E549-6E4C-4448-8791-EB7A25BB4AA1}"/>
               </a:ext>
             </a:extLst>
           </p:cNvPr>
@@ -11704,7 +13178,7 @@
           <p:cNvPr id="105" name="TextBox 104">
             <a:extLst>
               <a:ext uri="{FF2B5EF4-FFF2-40B4-BE49-F238E27FC236}">
-                <a16:creationId xmlns:a16="http://schemas.microsoft.com/office/drawing/2014/main" id="{A173E549-6E4C-4448-8791-EB7A25BB4AA1}"/>
+                <a16:creationId xmlns:a16="http://schemas.microsoft.com/office/drawing/2014/main" xmlns="" id="{A173E549-6E4C-4448-8791-EB7A25BB4AA1}"/>
               </a:ext>
             </a:extLst>
           </p:cNvPr>
@@ -11937,7 +13411,7 @@
           <a:graphicData uri="http://schemas.openxmlformats.org/presentationml/2006/ole">
             <mc:AlternateContent xmlns:mc="http://schemas.openxmlformats.org/markup-compatibility/2006">
               <mc:Choice xmlns:v="urn:schemas-microsoft-com:vml" Requires="v">
-                <p:oleObj spid="_x0000_s1058" name="워크시트" showAsIcon="1" r:id="rId3" imgW="914400" imgH="685800" progId="Excel.Sheet.12">
+                <p:oleObj spid="_x0000_s1066" name="워크시트" showAsIcon="1" r:id="rId3" imgW="914400" imgH="685800" progId="Excel.Sheet.12">
                   <p:embed/>
                 </p:oleObj>
               </mc:Choice>
@@ -12968,14 +14442,14 @@
                 <a:gridCol w="1349617">
                   <a:extLst>
                     <a:ext uri="{9D8B030D-6E8A-4147-A177-3AD203B41FA5}">
-                      <a16:colId xmlns:a16="http://schemas.microsoft.com/office/drawing/2014/main" val="2135770378"/>
+                      <a16:colId xmlns:a16="http://schemas.microsoft.com/office/drawing/2014/main" xmlns="" val="2135770378"/>
                     </a:ext>
                   </a:extLst>
                 </a:gridCol>
                 <a:gridCol w="1781510">
                   <a:extLst>
                     <a:ext uri="{9D8B030D-6E8A-4147-A177-3AD203B41FA5}">
-                      <a16:colId xmlns:a16="http://schemas.microsoft.com/office/drawing/2014/main" val="1891257885"/>
+                      <a16:colId xmlns:a16="http://schemas.microsoft.com/office/drawing/2014/main" xmlns="" val="1891257885"/>
                     </a:ext>
                   </a:extLst>
                 </a:gridCol>
@@ -13087,7 +14561,7 @@
                 </a:tc>
                 <a:extLst>
                   <a:ext uri="{0D108BD9-81ED-4DB2-BD59-A6C34878D82A}">
-                    <a16:rowId xmlns:a16="http://schemas.microsoft.com/office/drawing/2014/main" val="3284227695"/>
+                    <a16:rowId xmlns:a16="http://schemas.microsoft.com/office/drawing/2014/main" xmlns="" val="3284227695"/>
                   </a:ext>
                 </a:extLst>
               </a:tr>
@@ -13197,7 +14671,7 @@
                 </a:tc>
                 <a:extLst>
                   <a:ext uri="{0D108BD9-81ED-4DB2-BD59-A6C34878D82A}">
-                    <a16:rowId xmlns:a16="http://schemas.microsoft.com/office/drawing/2014/main" val="3886786603"/>
+                    <a16:rowId xmlns:a16="http://schemas.microsoft.com/office/drawing/2014/main" xmlns="" val="3886786603"/>
                   </a:ext>
                 </a:extLst>
               </a:tr>
@@ -13323,7 +14797,7 @@
                 </a:tc>
                 <a:extLst>
                   <a:ext uri="{0D108BD9-81ED-4DB2-BD59-A6C34878D82A}">
-                    <a16:rowId xmlns:a16="http://schemas.microsoft.com/office/drawing/2014/main" val="2012833175"/>
+                    <a16:rowId xmlns:a16="http://schemas.microsoft.com/office/drawing/2014/main" xmlns="" val="2012833175"/>
                   </a:ext>
                 </a:extLst>
               </a:tr>
@@ -13449,7 +14923,7 @@
                 </a:tc>
                 <a:extLst>
                   <a:ext uri="{0D108BD9-81ED-4DB2-BD59-A6C34878D82A}">
-                    <a16:rowId xmlns:a16="http://schemas.microsoft.com/office/drawing/2014/main" val="279712677"/>
+                    <a16:rowId xmlns:a16="http://schemas.microsoft.com/office/drawing/2014/main" xmlns="" val="279712677"/>
                   </a:ext>
                 </a:extLst>
               </a:tr>
@@ -13575,7 +15049,7 @@
                 </a:tc>
                 <a:extLst>
                   <a:ext uri="{0D108BD9-81ED-4DB2-BD59-A6C34878D82A}">
-                    <a16:rowId xmlns:a16="http://schemas.microsoft.com/office/drawing/2014/main" val="1839450903"/>
+                    <a16:rowId xmlns:a16="http://schemas.microsoft.com/office/drawing/2014/main" xmlns="" val="1839450903"/>
                   </a:ext>
                 </a:extLst>
               </a:tr>
@@ -13701,7 +15175,7 @@
                 </a:tc>
                 <a:extLst>
                   <a:ext uri="{0D108BD9-81ED-4DB2-BD59-A6C34878D82A}">
-                    <a16:rowId xmlns:a16="http://schemas.microsoft.com/office/drawing/2014/main" val="172147600"/>
+                    <a16:rowId xmlns:a16="http://schemas.microsoft.com/office/drawing/2014/main" xmlns="" val="172147600"/>
                   </a:ext>
                 </a:extLst>
               </a:tr>
@@ -13827,7 +15301,7 @@
                 </a:tc>
                 <a:extLst>
                   <a:ext uri="{0D108BD9-81ED-4DB2-BD59-A6C34878D82A}">
-                    <a16:rowId xmlns:a16="http://schemas.microsoft.com/office/drawing/2014/main" val="1873070128"/>
+                    <a16:rowId xmlns:a16="http://schemas.microsoft.com/office/drawing/2014/main" xmlns="" val="1873070128"/>
                   </a:ext>
                 </a:extLst>
               </a:tr>
@@ -15276,14 +16750,14 @@
                 <a:gridCol w="1349617">
                   <a:extLst>
                     <a:ext uri="{9D8B030D-6E8A-4147-A177-3AD203B41FA5}">
-                      <a16:colId xmlns:a16="http://schemas.microsoft.com/office/drawing/2014/main" val="2135770378"/>
+                      <a16:colId xmlns:a16="http://schemas.microsoft.com/office/drawing/2014/main" xmlns="" val="2135770378"/>
                     </a:ext>
                   </a:extLst>
                 </a:gridCol>
                 <a:gridCol w="1781510">
                   <a:extLst>
                     <a:ext uri="{9D8B030D-6E8A-4147-A177-3AD203B41FA5}">
-                      <a16:colId xmlns:a16="http://schemas.microsoft.com/office/drawing/2014/main" val="1891257885"/>
+                      <a16:colId xmlns:a16="http://schemas.microsoft.com/office/drawing/2014/main" xmlns="" val="1891257885"/>
                     </a:ext>
                   </a:extLst>
                 </a:gridCol>
@@ -15395,7 +16869,7 @@
                 </a:tc>
                 <a:extLst>
                   <a:ext uri="{0D108BD9-81ED-4DB2-BD59-A6C34878D82A}">
-                    <a16:rowId xmlns:a16="http://schemas.microsoft.com/office/drawing/2014/main" val="3284227695"/>
+                    <a16:rowId xmlns:a16="http://schemas.microsoft.com/office/drawing/2014/main" xmlns="" val="3284227695"/>
                   </a:ext>
                 </a:extLst>
               </a:tr>
@@ -15505,7 +16979,7 @@
                 </a:tc>
                 <a:extLst>
                   <a:ext uri="{0D108BD9-81ED-4DB2-BD59-A6C34878D82A}">
-                    <a16:rowId xmlns:a16="http://schemas.microsoft.com/office/drawing/2014/main" val="3886786603"/>
+                    <a16:rowId xmlns:a16="http://schemas.microsoft.com/office/drawing/2014/main" xmlns="" val="3886786603"/>
                   </a:ext>
                 </a:extLst>
               </a:tr>
@@ -15631,7 +17105,7 @@
                 </a:tc>
                 <a:extLst>
                   <a:ext uri="{0D108BD9-81ED-4DB2-BD59-A6C34878D82A}">
-                    <a16:rowId xmlns:a16="http://schemas.microsoft.com/office/drawing/2014/main" val="2012833175"/>
+                    <a16:rowId xmlns:a16="http://schemas.microsoft.com/office/drawing/2014/main" xmlns="" val="2012833175"/>
                   </a:ext>
                 </a:extLst>
               </a:tr>
@@ -15757,7 +17231,7 @@
                 </a:tc>
                 <a:extLst>
                   <a:ext uri="{0D108BD9-81ED-4DB2-BD59-A6C34878D82A}">
-                    <a16:rowId xmlns:a16="http://schemas.microsoft.com/office/drawing/2014/main" val="279712677"/>
+                    <a16:rowId xmlns:a16="http://schemas.microsoft.com/office/drawing/2014/main" xmlns="" val="279712677"/>
                   </a:ext>
                 </a:extLst>
               </a:tr>
@@ -15883,7 +17357,7 @@
                 </a:tc>
                 <a:extLst>
                   <a:ext uri="{0D108BD9-81ED-4DB2-BD59-A6C34878D82A}">
-                    <a16:rowId xmlns:a16="http://schemas.microsoft.com/office/drawing/2014/main" val="1839450903"/>
+                    <a16:rowId xmlns:a16="http://schemas.microsoft.com/office/drawing/2014/main" xmlns="" val="1839450903"/>
                   </a:ext>
                 </a:extLst>
               </a:tr>
@@ -16009,7 +17483,7 @@
                 </a:tc>
                 <a:extLst>
                   <a:ext uri="{0D108BD9-81ED-4DB2-BD59-A6C34878D82A}">
-                    <a16:rowId xmlns:a16="http://schemas.microsoft.com/office/drawing/2014/main" val="172147600"/>
+                    <a16:rowId xmlns:a16="http://schemas.microsoft.com/office/drawing/2014/main" xmlns="" val="172147600"/>
                   </a:ext>
                 </a:extLst>
               </a:tr>
@@ -16135,7 +17609,7 @@
                 </a:tc>
                 <a:extLst>
                   <a:ext uri="{0D108BD9-81ED-4DB2-BD59-A6C34878D82A}">
-                    <a16:rowId xmlns:a16="http://schemas.microsoft.com/office/drawing/2014/main" val="1873070128"/>
+                    <a16:rowId xmlns:a16="http://schemas.microsoft.com/office/drawing/2014/main" xmlns="" val="1873070128"/>
                   </a:ext>
                 </a:extLst>
               </a:tr>
@@ -16819,7 +18293,7 @@
     </a:clrScheme>
     <a:fontScheme name="Office">
       <a:majorFont>
-        <a:latin typeface="맑은 고딕" panose="020F0302020204030204"/>
+        <a:latin typeface="맑은 고딕"/>
         <a:ea typeface=""/>
         <a:cs typeface=""/>
         <a:font script="Jpan" typeface="游ゴシック Light"/>
@@ -16854,7 +18328,7 @@
         <a:font script="Geor" typeface="Sylfaen"/>
       </a:majorFont>
       <a:minorFont>
-        <a:latin typeface="맑은 고딕" panose="020F0502020204030204"/>
+        <a:latin typeface="맑은 고딕"/>
         <a:ea typeface=""/>
         <a:cs typeface=""/>
         <a:font script="Jpan" typeface="游ゴシック"/>
@@ -17031,7 +18505,7 @@
   <a:extraClrSchemeLst/>
   <a:extLst>
     <a:ext uri="{05A4C25C-085E-4340-85A3-A5531E510DB2}">
-      <thm15:themeFamily xmlns:thm15="http://schemas.microsoft.com/office/thememl/2012/main" name="Office Theme" id="{62F939B6-93AF-4DB8-9C6B-D6C7DFDC589F}" vid="{4A3C46E8-61CC-4603-A589-7422A47A8E4A}"/>
+      <thm15:themeFamily xmlns:thm15="http://schemas.microsoft.com/office/thememl/2012/main" xmlns="" name="Office Theme" id="{62F939B6-93AF-4DB8-9C6B-D6C7DFDC589F}" vid="{4A3C46E8-61CC-4603-A589-7422A47A8E4A}"/>
     </a:ext>
   </a:extLst>
 </a:theme>
